--- a/Thesis/Figures/polished/FF_Layers.pptx
+++ b/Thesis/Figures/polished/FF_Layers.pptx
@@ -2,19 +2,19 @@
 <file path=ppt/presentation.xml><?xml version="1.0" encoding="utf-8"?>
 <p:presentation xmlns:a="http://schemas.openxmlformats.org/drawingml/2006/main" xmlns:r="http://schemas.openxmlformats.org/officeDocument/2006/relationships" xmlns:p="http://schemas.openxmlformats.org/presentationml/2006/main" saveSubsetFonts="1">
   <p:sldMasterIdLst>
-    <p:sldMasterId id="2147483696" r:id="rId1"/>
+    <p:sldMasterId id="2147483756" r:id="rId1"/>
   </p:sldMasterIdLst>
   <p:sldIdLst>
     <p:sldId id="256" r:id="rId2"/>
   </p:sldIdLst>
-  <p:sldSz cx="15119350" cy="3240088"/>
+  <p:sldSz cx="11520488" cy="6840538"/>
   <p:notesSz cx="6858000" cy="9144000"/>
   <p:defaultTextStyle>
     <a:defPPr>
       <a:defRPr lang="en-US"/>
     </a:defPPr>
-    <a:lvl1pPr marL="0" algn="l" defTabSz="914400" rtl="0" eaLnBrk="1" latinLnBrk="0" hangingPunct="1">
-      <a:defRPr sz="1800" kern="1200">
+    <a:lvl1pPr marL="0" algn="l" defTabSz="796442" rtl="0" eaLnBrk="1" latinLnBrk="0" hangingPunct="1">
+      <a:defRPr sz="1568" kern="1200">
         <a:solidFill>
           <a:schemeClr val="tx1"/>
         </a:solidFill>
@@ -23,8 +23,8 @@
         <a:cs typeface="+mn-cs"/>
       </a:defRPr>
     </a:lvl1pPr>
-    <a:lvl2pPr marL="457200" algn="l" defTabSz="914400" rtl="0" eaLnBrk="1" latinLnBrk="0" hangingPunct="1">
-      <a:defRPr sz="1800" kern="1200">
+    <a:lvl2pPr marL="398221" algn="l" defTabSz="796442" rtl="0" eaLnBrk="1" latinLnBrk="0" hangingPunct="1">
+      <a:defRPr sz="1568" kern="1200">
         <a:solidFill>
           <a:schemeClr val="tx1"/>
         </a:solidFill>
@@ -33,8 +33,8 @@
         <a:cs typeface="+mn-cs"/>
       </a:defRPr>
     </a:lvl2pPr>
-    <a:lvl3pPr marL="914400" algn="l" defTabSz="914400" rtl="0" eaLnBrk="1" latinLnBrk="0" hangingPunct="1">
-      <a:defRPr sz="1800" kern="1200">
+    <a:lvl3pPr marL="796442" algn="l" defTabSz="796442" rtl="0" eaLnBrk="1" latinLnBrk="0" hangingPunct="1">
+      <a:defRPr sz="1568" kern="1200">
         <a:solidFill>
           <a:schemeClr val="tx1"/>
         </a:solidFill>
@@ -43,8 +43,8 @@
         <a:cs typeface="+mn-cs"/>
       </a:defRPr>
     </a:lvl3pPr>
-    <a:lvl4pPr marL="1371600" algn="l" defTabSz="914400" rtl="0" eaLnBrk="1" latinLnBrk="0" hangingPunct="1">
-      <a:defRPr sz="1800" kern="1200">
+    <a:lvl4pPr marL="1194664" algn="l" defTabSz="796442" rtl="0" eaLnBrk="1" latinLnBrk="0" hangingPunct="1">
+      <a:defRPr sz="1568" kern="1200">
         <a:solidFill>
           <a:schemeClr val="tx1"/>
         </a:solidFill>
@@ -53,8 +53,8 @@
         <a:cs typeface="+mn-cs"/>
       </a:defRPr>
     </a:lvl4pPr>
-    <a:lvl5pPr marL="1828800" algn="l" defTabSz="914400" rtl="0" eaLnBrk="1" latinLnBrk="0" hangingPunct="1">
-      <a:defRPr sz="1800" kern="1200">
+    <a:lvl5pPr marL="1592885" algn="l" defTabSz="796442" rtl="0" eaLnBrk="1" latinLnBrk="0" hangingPunct="1">
+      <a:defRPr sz="1568" kern="1200">
         <a:solidFill>
           <a:schemeClr val="tx1"/>
         </a:solidFill>
@@ -63,8 +63,8 @@
         <a:cs typeface="+mn-cs"/>
       </a:defRPr>
     </a:lvl5pPr>
-    <a:lvl6pPr marL="2286000" algn="l" defTabSz="914400" rtl="0" eaLnBrk="1" latinLnBrk="0" hangingPunct="1">
-      <a:defRPr sz="1800" kern="1200">
+    <a:lvl6pPr marL="1991106" algn="l" defTabSz="796442" rtl="0" eaLnBrk="1" latinLnBrk="0" hangingPunct="1">
+      <a:defRPr sz="1568" kern="1200">
         <a:solidFill>
           <a:schemeClr val="tx1"/>
         </a:solidFill>
@@ -73,8 +73,8 @@
         <a:cs typeface="+mn-cs"/>
       </a:defRPr>
     </a:lvl6pPr>
-    <a:lvl7pPr marL="2743200" algn="l" defTabSz="914400" rtl="0" eaLnBrk="1" latinLnBrk="0" hangingPunct="1">
-      <a:defRPr sz="1800" kern="1200">
+    <a:lvl7pPr marL="2389327" algn="l" defTabSz="796442" rtl="0" eaLnBrk="1" latinLnBrk="0" hangingPunct="1">
+      <a:defRPr sz="1568" kern="1200">
         <a:solidFill>
           <a:schemeClr val="tx1"/>
         </a:solidFill>
@@ -83,8 +83,8 @@
         <a:cs typeface="+mn-cs"/>
       </a:defRPr>
     </a:lvl7pPr>
-    <a:lvl8pPr marL="3200400" algn="l" defTabSz="914400" rtl="0" eaLnBrk="1" latinLnBrk="0" hangingPunct="1">
-      <a:defRPr sz="1800" kern="1200">
+    <a:lvl8pPr marL="2787548" algn="l" defTabSz="796442" rtl="0" eaLnBrk="1" latinLnBrk="0" hangingPunct="1">
+      <a:defRPr sz="1568" kern="1200">
         <a:solidFill>
           <a:schemeClr val="tx1"/>
         </a:solidFill>
@@ -93,8 +93,8 @@
         <a:cs typeface="+mn-cs"/>
       </a:defRPr>
     </a:lvl8pPr>
-    <a:lvl9pPr marL="3657600" algn="l" defTabSz="914400" rtl="0" eaLnBrk="1" latinLnBrk="0" hangingPunct="1">
-      <a:defRPr sz="1800" kern="1200">
+    <a:lvl9pPr marL="3185770" algn="l" defTabSz="796442" rtl="0" eaLnBrk="1" latinLnBrk="0" hangingPunct="1">
+      <a:defRPr sz="1568" kern="1200">
         <a:solidFill>
           <a:schemeClr val="tx1"/>
         </a:solidFill>
@@ -104,6 +104,11 @@
       </a:defRPr>
     </a:lvl9pPr>
   </p:defaultTextStyle>
+  <p:extLst>
+    <p:ext uri="{EFAFB233-063F-42B5-8137-9DF3F51BA10A}">
+      <p15:sldGuideLst xmlns:p15="http://schemas.microsoft.com/office/powerpoint/2012/main"/>
+    </p:ext>
+  </p:extLst>
 </p:presentation>
 </file>
 
@@ -136,15 +141,15 @@
         </p:nvSpPr>
         <p:spPr>
           <a:xfrm>
-            <a:off x="1889919" y="530264"/>
-            <a:ext cx="11339513" cy="1128031"/>
+            <a:off x="1440061" y="1119505"/>
+            <a:ext cx="8640366" cy="2381521"/>
           </a:xfrm>
         </p:spPr>
         <p:txBody>
           <a:bodyPr anchor="b"/>
           <a:lstStyle>
             <a:lvl1pPr algn="ctr">
-              <a:defRPr sz="2835"/>
+              <a:defRPr sz="5669"/>
             </a:lvl1pPr>
           </a:lstStyle>
           <a:p>
@@ -168,8 +173,8 @@
         </p:nvSpPr>
         <p:spPr>
           <a:xfrm>
-            <a:off x="1889919" y="1701796"/>
-            <a:ext cx="11339513" cy="782271"/>
+            <a:off x="1440061" y="3592866"/>
+            <a:ext cx="8640366" cy="1651546"/>
           </a:xfrm>
         </p:spPr>
         <p:txBody>
@@ -177,39 +182,39 @@
           <a:lstStyle>
             <a:lvl1pPr marL="0" indent="0" algn="ctr">
               <a:buNone/>
-              <a:defRPr sz="1134"/>
+              <a:defRPr sz="2268"/>
             </a:lvl1pPr>
-            <a:lvl2pPr marL="216027" indent="0" algn="ctr">
-              <a:buNone/>
-              <a:defRPr sz="945"/>
+            <a:lvl2pPr marL="432008" indent="0" algn="ctr">
+              <a:buNone/>
+              <a:defRPr sz="1890"/>
             </a:lvl2pPr>
-            <a:lvl3pPr marL="432054" indent="0" algn="ctr">
-              <a:buNone/>
-              <a:defRPr sz="851"/>
+            <a:lvl3pPr marL="864017" indent="0" algn="ctr">
+              <a:buNone/>
+              <a:defRPr sz="1701"/>
             </a:lvl3pPr>
-            <a:lvl4pPr marL="648081" indent="0" algn="ctr">
-              <a:buNone/>
-              <a:defRPr sz="756"/>
+            <a:lvl4pPr marL="1296025" indent="0" algn="ctr">
+              <a:buNone/>
+              <a:defRPr sz="1512"/>
             </a:lvl4pPr>
-            <a:lvl5pPr marL="864108" indent="0" algn="ctr">
-              <a:buNone/>
-              <a:defRPr sz="756"/>
+            <a:lvl5pPr marL="1728033" indent="0" algn="ctr">
+              <a:buNone/>
+              <a:defRPr sz="1512"/>
             </a:lvl5pPr>
-            <a:lvl6pPr marL="1080135" indent="0" algn="ctr">
-              <a:buNone/>
-              <a:defRPr sz="756"/>
+            <a:lvl6pPr marL="2160041" indent="0" algn="ctr">
+              <a:buNone/>
+              <a:defRPr sz="1512"/>
             </a:lvl6pPr>
-            <a:lvl7pPr marL="1296162" indent="0" algn="ctr">
-              <a:buNone/>
-              <a:defRPr sz="756"/>
+            <a:lvl7pPr marL="2592050" indent="0" algn="ctr">
+              <a:buNone/>
+              <a:defRPr sz="1512"/>
             </a:lvl7pPr>
-            <a:lvl8pPr marL="1512189" indent="0" algn="ctr">
-              <a:buNone/>
-              <a:defRPr sz="756"/>
+            <a:lvl8pPr marL="3024058" indent="0" algn="ctr">
+              <a:buNone/>
+              <a:defRPr sz="1512"/>
             </a:lvl8pPr>
-            <a:lvl9pPr marL="1728216" indent="0" algn="ctr">
-              <a:buNone/>
-              <a:defRPr sz="756"/>
+            <a:lvl9pPr marL="3456066" indent="0" algn="ctr">
+              <a:buNone/>
+              <a:defRPr sz="1512"/>
             </a:lvl9pPr>
           </a:lstStyle>
           <a:p>
@@ -238,7 +243,7 @@
           <a:p>
             <a:fld id="{6FDE9D93-FEBD-457A-8EC4-BDCCD471E133}" type="datetimeFigureOut">
               <a:rPr lang="en-AU" smtClean="0"/>
-              <a:t>17/09/2018</a:t>
+              <a:t>25/09/2018</a:t>
             </a:fld>
             <a:endParaRPr lang="en-AU"/>
           </a:p>
@@ -289,7 +294,7 @@
     </p:spTree>
     <p:extLst>
       <p:ext uri="{BB962C8B-B14F-4D97-AF65-F5344CB8AC3E}">
-        <p14:creationId xmlns:p14="http://schemas.microsoft.com/office/powerpoint/2010/main" val="3551723941"/>
+        <p14:creationId xmlns:p14="http://schemas.microsoft.com/office/powerpoint/2010/main" val="4008265879"/>
       </p:ext>
     </p:extLst>
   </p:cSld>
@@ -408,7 +413,7 @@
           <a:p>
             <a:fld id="{6FDE9D93-FEBD-457A-8EC4-BDCCD471E133}" type="datetimeFigureOut">
               <a:rPr lang="en-AU" smtClean="0"/>
-              <a:t>17/09/2018</a:t>
+              <a:t>25/09/2018</a:t>
             </a:fld>
             <a:endParaRPr lang="en-AU"/>
           </a:p>
@@ -459,7 +464,7 @@
     </p:spTree>
     <p:extLst>
       <p:ext uri="{BB962C8B-B14F-4D97-AF65-F5344CB8AC3E}">
-        <p14:creationId xmlns:p14="http://schemas.microsoft.com/office/powerpoint/2010/main" val="2667115087"/>
+        <p14:creationId xmlns:p14="http://schemas.microsoft.com/office/powerpoint/2010/main" val="2778726478"/>
       </p:ext>
     </p:extLst>
   </p:cSld>
@@ -498,8 +503,8 @@
         </p:nvSpPr>
         <p:spPr>
           <a:xfrm>
-            <a:off x="10819785" y="172505"/>
-            <a:ext cx="3260110" cy="2745825"/>
+            <a:off x="8244349" y="364195"/>
+            <a:ext cx="2484105" cy="5797040"/>
           </a:xfrm>
         </p:spPr>
         <p:txBody>
@@ -526,8 +531,8 @@
         </p:nvSpPr>
         <p:spPr>
           <a:xfrm>
-            <a:off x="1039455" y="172505"/>
-            <a:ext cx="9591338" cy="2745825"/>
+            <a:off x="792033" y="364195"/>
+            <a:ext cx="7308310" cy="5797040"/>
           </a:xfrm>
         </p:spPr>
         <p:txBody>
@@ -588,7 +593,7 @@
           <a:p>
             <a:fld id="{6FDE9D93-FEBD-457A-8EC4-BDCCD471E133}" type="datetimeFigureOut">
               <a:rPr lang="en-AU" smtClean="0"/>
-              <a:t>17/09/2018</a:t>
+              <a:t>25/09/2018</a:t>
             </a:fld>
             <a:endParaRPr lang="en-AU"/>
           </a:p>
@@ -639,7 +644,7 @@
     </p:spTree>
     <p:extLst>
       <p:ext uri="{BB962C8B-B14F-4D97-AF65-F5344CB8AC3E}">
-        <p14:creationId xmlns:p14="http://schemas.microsoft.com/office/powerpoint/2010/main" val="3884741145"/>
+        <p14:creationId xmlns:p14="http://schemas.microsoft.com/office/powerpoint/2010/main" val="648556945"/>
       </p:ext>
     </p:extLst>
   </p:cSld>
@@ -758,7 +763,7 @@
           <a:p>
             <a:fld id="{6FDE9D93-FEBD-457A-8EC4-BDCCD471E133}" type="datetimeFigureOut">
               <a:rPr lang="en-AU" smtClean="0"/>
-              <a:t>17/09/2018</a:t>
+              <a:t>25/09/2018</a:t>
             </a:fld>
             <a:endParaRPr lang="en-AU"/>
           </a:p>
@@ -809,7 +814,7 @@
     </p:spTree>
     <p:extLst>
       <p:ext uri="{BB962C8B-B14F-4D97-AF65-F5344CB8AC3E}">
-        <p14:creationId xmlns:p14="http://schemas.microsoft.com/office/powerpoint/2010/main" val="2703633724"/>
+        <p14:creationId xmlns:p14="http://schemas.microsoft.com/office/powerpoint/2010/main" val="2402874454"/>
       </p:ext>
     </p:extLst>
   </p:cSld>
@@ -848,15 +853,15 @@
         </p:nvSpPr>
         <p:spPr>
           <a:xfrm>
-            <a:off x="1031581" y="807773"/>
-            <a:ext cx="13040439" cy="1347786"/>
+            <a:off x="786033" y="1705385"/>
+            <a:ext cx="9936421" cy="2845473"/>
           </a:xfrm>
         </p:spPr>
         <p:txBody>
           <a:bodyPr anchor="b"/>
           <a:lstStyle>
             <a:lvl1pPr>
-              <a:defRPr sz="2835"/>
+              <a:defRPr sz="5669"/>
             </a:lvl1pPr>
           </a:lstStyle>
           <a:p>
@@ -880,8 +885,8 @@
         </p:nvSpPr>
         <p:spPr>
           <a:xfrm>
-            <a:off x="1031581" y="2168309"/>
-            <a:ext cx="13040439" cy="708769"/>
+            <a:off x="786033" y="4577778"/>
+            <a:ext cx="9936421" cy="1496367"/>
           </a:xfrm>
         </p:spPr>
         <p:txBody>
@@ -889,7 +894,7 @@
           <a:lstStyle>
             <a:lvl1pPr marL="0" indent="0">
               <a:buNone/>
-              <a:defRPr sz="1134">
+              <a:defRPr sz="2268">
                 <a:solidFill>
                   <a:schemeClr val="tx1">
                     <a:tint val="75000"/>
@@ -897,9 +902,9 @@
                 </a:solidFill>
               </a:defRPr>
             </a:lvl1pPr>
-            <a:lvl2pPr marL="216027" indent="0">
-              <a:buNone/>
-              <a:defRPr sz="945">
+            <a:lvl2pPr marL="432008" indent="0">
+              <a:buNone/>
+              <a:defRPr sz="1890">
                 <a:solidFill>
                   <a:schemeClr val="tx1">
                     <a:tint val="75000"/>
@@ -907,9 +912,9 @@
                 </a:solidFill>
               </a:defRPr>
             </a:lvl2pPr>
-            <a:lvl3pPr marL="432054" indent="0">
-              <a:buNone/>
-              <a:defRPr sz="851">
+            <a:lvl3pPr marL="864017" indent="0">
+              <a:buNone/>
+              <a:defRPr sz="1701">
                 <a:solidFill>
                   <a:schemeClr val="tx1">
                     <a:tint val="75000"/>
@@ -917,9 +922,9 @@
                 </a:solidFill>
               </a:defRPr>
             </a:lvl3pPr>
-            <a:lvl4pPr marL="648081" indent="0">
-              <a:buNone/>
-              <a:defRPr sz="756">
+            <a:lvl4pPr marL="1296025" indent="0">
+              <a:buNone/>
+              <a:defRPr sz="1512">
                 <a:solidFill>
                   <a:schemeClr val="tx1">
                     <a:tint val="75000"/>
@@ -927,9 +932,9 @@
                 </a:solidFill>
               </a:defRPr>
             </a:lvl4pPr>
-            <a:lvl5pPr marL="864108" indent="0">
-              <a:buNone/>
-              <a:defRPr sz="756">
+            <a:lvl5pPr marL="1728033" indent="0">
+              <a:buNone/>
+              <a:defRPr sz="1512">
                 <a:solidFill>
                   <a:schemeClr val="tx1">
                     <a:tint val="75000"/>
@@ -937,9 +942,9 @@
                 </a:solidFill>
               </a:defRPr>
             </a:lvl5pPr>
-            <a:lvl6pPr marL="1080135" indent="0">
-              <a:buNone/>
-              <a:defRPr sz="756">
+            <a:lvl6pPr marL="2160041" indent="0">
+              <a:buNone/>
+              <a:defRPr sz="1512">
                 <a:solidFill>
                   <a:schemeClr val="tx1">
                     <a:tint val="75000"/>
@@ -947,9 +952,9 @@
                 </a:solidFill>
               </a:defRPr>
             </a:lvl6pPr>
-            <a:lvl7pPr marL="1296162" indent="0">
-              <a:buNone/>
-              <a:defRPr sz="756">
+            <a:lvl7pPr marL="2592050" indent="0">
+              <a:buNone/>
+              <a:defRPr sz="1512">
                 <a:solidFill>
                   <a:schemeClr val="tx1">
                     <a:tint val="75000"/>
@@ -957,9 +962,9 @@
                 </a:solidFill>
               </a:defRPr>
             </a:lvl7pPr>
-            <a:lvl8pPr marL="1512189" indent="0">
-              <a:buNone/>
-              <a:defRPr sz="756">
+            <a:lvl8pPr marL="3024058" indent="0">
+              <a:buNone/>
+              <a:defRPr sz="1512">
                 <a:solidFill>
                   <a:schemeClr val="tx1">
                     <a:tint val="75000"/>
@@ -967,9 +972,9 @@
                 </a:solidFill>
               </a:defRPr>
             </a:lvl8pPr>
-            <a:lvl9pPr marL="1728216" indent="0">
-              <a:buNone/>
-              <a:defRPr sz="756">
+            <a:lvl9pPr marL="3456066" indent="0">
+              <a:buNone/>
+              <a:defRPr sz="1512">
                 <a:solidFill>
                   <a:schemeClr val="tx1">
                     <a:tint val="75000"/>
@@ -1004,7 +1009,7 @@
           <a:p>
             <a:fld id="{6FDE9D93-FEBD-457A-8EC4-BDCCD471E133}" type="datetimeFigureOut">
               <a:rPr lang="en-AU" smtClean="0"/>
-              <a:t>17/09/2018</a:t>
+              <a:t>25/09/2018</a:t>
             </a:fld>
             <a:endParaRPr lang="en-AU"/>
           </a:p>
@@ -1055,7 +1060,7 @@
     </p:spTree>
     <p:extLst>
       <p:ext uri="{BB962C8B-B14F-4D97-AF65-F5344CB8AC3E}">
-        <p14:creationId xmlns:p14="http://schemas.microsoft.com/office/powerpoint/2010/main" val="3281818143"/>
+        <p14:creationId xmlns:p14="http://schemas.microsoft.com/office/powerpoint/2010/main" val="2678933018"/>
       </p:ext>
     </p:extLst>
   </p:cSld>
@@ -1117,8 +1122,8 @@
         </p:nvSpPr>
         <p:spPr>
           <a:xfrm>
-            <a:off x="1039455" y="862523"/>
-            <a:ext cx="6425724" cy="2055806"/>
+            <a:off x="792034" y="1820976"/>
+            <a:ext cx="4896207" cy="4340259"/>
           </a:xfrm>
         </p:spPr>
         <p:txBody>
@@ -1174,8 +1179,8 @@
         </p:nvSpPr>
         <p:spPr>
           <a:xfrm>
-            <a:off x="7654171" y="862523"/>
-            <a:ext cx="6425724" cy="2055806"/>
+            <a:off x="5832247" y="1820976"/>
+            <a:ext cx="4896207" cy="4340259"/>
           </a:xfrm>
         </p:spPr>
         <p:txBody>
@@ -1236,7 +1241,7 @@
           <a:p>
             <a:fld id="{6FDE9D93-FEBD-457A-8EC4-BDCCD471E133}" type="datetimeFigureOut">
               <a:rPr lang="en-AU" smtClean="0"/>
-              <a:t>17/09/2018</a:t>
+              <a:t>25/09/2018</a:t>
             </a:fld>
             <a:endParaRPr lang="en-AU"/>
           </a:p>
@@ -1287,7 +1292,7 @@
     </p:spTree>
     <p:extLst>
       <p:ext uri="{BB962C8B-B14F-4D97-AF65-F5344CB8AC3E}">
-        <p14:creationId xmlns:p14="http://schemas.microsoft.com/office/powerpoint/2010/main" val="2300393305"/>
+        <p14:creationId xmlns:p14="http://schemas.microsoft.com/office/powerpoint/2010/main" val="3930857495"/>
       </p:ext>
     </p:extLst>
   </p:cSld>
@@ -1326,8 +1331,8 @@
         </p:nvSpPr>
         <p:spPr>
           <a:xfrm>
-            <a:off x="1041425" y="172505"/>
-            <a:ext cx="13040439" cy="626267"/>
+            <a:off x="793534" y="364196"/>
+            <a:ext cx="9936421" cy="1322188"/>
           </a:xfrm>
         </p:spPr>
         <p:txBody>
@@ -1354,8 +1359,8 @@
         </p:nvSpPr>
         <p:spPr>
           <a:xfrm>
-            <a:off x="1041425" y="794272"/>
-            <a:ext cx="6396193" cy="389260"/>
+            <a:off x="793535" y="1676882"/>
+            <a:ext cx="4873706" cy="821814"/>
           </a:xfrm>
         </p:spPr>
         <p:txBody>
@@ -1363,39 +1368,39 @@
           <a:lstStyle>
             <a:lvl1pPr marL="0" indent="0">
               <a:buNone/>
-              <a:defRPr sz="1134" b="1"/>
+              <a:defRPr sz="2268" b="1"/>
             </a:lvl1pPr>
-            <a:lvl2pPr marL="216027" indent="0">
-              <a:buNone/>
-              <a:defRPr sz="945" b="1"/>
+            <a:lvl2pPr marL="432008" indent="0">
+              <a:buNone/>
+              <a:defRPr sz="1890" b="1"/>
             </a:lvl2pPr>
-            <a:lvl3pPr marL="432054" indent="0">
-              <a:buNone/>
-              <a:defRPr sz="851" b="1"/>
+            <a:lvl3pPr marL="864017" indent="0">
+              <a:buNone/>
+              <a:defRPr sz="1701" b="1"/>
             </a:lvl3pPr>
-            <a:lvl4pPr marL="648081" indent="0">
-              <a:buNone/>
-              <a:defRPr sz="756" b="1"/>
+            <a:lvl4pPr marL="1296025" indent="0">
+              <a:buNone/>
+              <a:defRPr sz="1512" b="1"/>
             </a:lvl4pPr>
-            <a:lvl5pPr marL="864108" indent="0">
-              <a:buNone/>
-              <a:defRPr sz="756" b="1"/>
+            <a:lvl5pPr marL="1728033" indent="0">
+              <a:buNone/>
+              <a:defRPr sz="1512" b="1"/>
             </a:lvl5pPr>
-            <a:lvl6pPr marL="1080135" indent="0">
-              <a:buNone/>
-              <a:defRPr sz="756" b="1"/>
+            <a:lvl6pPr marL="2160041" indent="0">
+              <a:buNone/>
+              <a:defRPr sz="1512" b="1"/>
             </a:lvl6pPr>
-            <a:lvl7pPr marL="1296162" indent="0">
-              <a:buNone/>
-              <a:defRPr sz="756" b="1"/>
+            <a:lvl7pPr marL="2592050" indent="0">
+              <a:buNone/>
+              <a:defRPr sz="1512" b="1"/>
             </a:lvl7pPr>
-            <a:lvl8pPr marL="1512189" indent="0">
-              <a:buNone/>
-              <a:defRPr sz="756" b="1"/>
+            <a:lvl8pPr marL="3024058" indent="0">
+              <a:buNone/>
+              <a:defRPr sz="1512" b="1"/>
             </a:lvl8pPr>
-            <a:lvl9pPr marL="1728216" indent="0">
-              <a:buNone/>
-              <a:defRPr sz="756" b="1"/>
+            <a:lvl9pPr marL="3456066" indent="0">
+              <a:buNone/>
+              <a:defRPr sz="1512" b="1"/>
             </a:lvl9pPr>
           </a:lstStyle>
           <a:p>
@@ -1419,8 +1424,8 @@
         </p:nvSpPr>
         <p:spPr>
           <a:xfrm>
-            <a:off x="1041425" y="1183532"/>
-            <a:ext cx="6396193" cy="1740798"/>
+            <a:off x="793535" y="2498697"/>
+            <a:ext cx="4873706" cy="3675206"/>
           </a:xfrm>
         </p:spPr>
         <p:txBody>
@@ -1476,8 +1481,8 @@
         </p:nvSpPr>
         <p:spPr>
           <a:xfrm>
-            <a:off x="7654171" y="794272"/>
-            <a:ext cx="6427693" cy="389260"/>
+            <a:off x="5832247" y="1676882"/>
+            <a:ext cx="4897708" cy="821814"/>
           </a:xfrm>
         </p:spPr>
         <p:txBody>
@@ -1485,39 +1490,39 @@
           <a:lstStyle>
             <a:lvl1pPr marL="0" indent="0">
               <a:buNone/>
-              <a:defRPr sz="1134" b="1"/>
+              <a:defRPr sz="2268" b="1"/>
             </a:lvl1pPr>
-            <a:lvl2pPr marL="216027" indent="0">
-              <a:buNone/>
-              <a:defRPr sz="945" b="1"/>
+            <a:lvl2pPr marL="432008" indent="0">
+              <a:buNone/>
+              <a:defRPr sz="1890" b="1"/>
             </a:lvl2pPr>
-            <a:lvl3pPr marL="432054" indent="0">
-              <a:buNone/>
-              <a:defRPr sz="851" b="1"/>
+            <a:lvl3pPr marL="864017" indent="0">
+              <a:buNone/>
+              <a:defRPr sz="1701" b="1"/>
             </a:lvl3pPr>
-            <a:lvl4pPr marL="648081" indent="0">
-              <a:buNone/>
-              <a:defRPr sz="756" b="1"/>
+            <a:lvl4pPr marL="1296025" indent="0">
+              <a:buNone/>
+              <a:defRPr sz="1512" b="1"/>
             </a:lvl4pPr>
-            <a:lvl5pPr marL="864108" indent="0">
-              <a:buNone/>
-              <a:defRPr sz="756" b="1"/>
+            <a:lvl5pPr marL="1728033" indent="0">
+              <a:buNone/>
+              <a:defRPr sz="1512" b="1"/>
             </a:lvl5pPr>
-            <a:lvl6pPr marL="1080135" indent="0">
-              <a:buNone/>
-              <a:defRPr sz="756" b="1"/>
+            <a:lvl6pPr marL="2160041" indent="0">
+              <a:buNone/>
+              <a:defRPr sz="1512" b="1"/>
             </a:lvl6pPr>
-            <a:lvl7pPr marL="1296162" indent="0">
-              <a:buNone/>
-              <a:defRPr sz="756" b="1"/>
+            <a:lvl7pPr marL="2592050" indent="0">
+              <a:buNone/>
+              <a:defRPr sz="1512" b="1"/>
             </a:lvl7pPr>
-            <a:lvl8pPr marL="1512189" indent="0">
-              <a:buNone/>
-              <a:defRPr sz="756" b="1"/>
+            <a:lvl8pPr marL="3024058" indent="0">
+              <a:buNone/>
+              <a:defRPr sz="1512" b="1"/>
             </a:lvl8pPr>
-            <a:lvl9pPr marL="1728216" indent="0">
-              <a:buNone/>
-              <a:defRPr sz="756" b="1"/>
+            <a:lvl9pPr marL="3456066" indent="0">
+              <a:buNone/>
+              <a:defRPr sz="1512" b="1"/>
             </a:lvl9pPr>
           </a:lstStyle>
           <a:p>
@@ -1541,8 +1546,8 @@
         </p:nvSpPr>
         <p:spPr>
           <a:xfrm>
-            <a:off x="7654171" y="1183532"/>
-            <a:ext cx="6427693" cy="1740798"/>
+            <a:off x="5832247" y="2498697"/>
+            <a:ext cx="4897708" cy="3675206"/>
           </a:xfrm>
         </p:spPr>
         <p:txBody>
@@ -1603,7 +1608,7 @@
           <a:p>
             <a:fld id="{6FDE9D93-FEBD-457A-8EC4-BDCCD471E133}" type="datetimeFigureOut">
               <a:rPr lang="en-AU" smtClean="0"/>
-              <a:t>17/09/2018</a:t>
+              <a:t>25/09/2018</a:t>
             </a:fld>
             <a:endParaRPr lang="en-AU"/>
           </a:p>
@@ -1654,7 +1659,7 @@
     </p:spTree>
     <p:extLst>
       <p:ext uri="{BB962C8B-B14F-4D97-AF65-F5344CB8AC3E}">
-        <p14:creationId xmlns:p14="http://schemas.microsoft.com/office/powerpoint/2010/main" val="1381863290"/>
+        <p14:creationId xmlns:p14="http://schemas.microsoft.com/office/powerpoint/2010/main" val="2098913993"/>
       </p:ext>
     </p:extLst>
   </p:cSld>
@@ -1721,7 +1726,7 @@
           <a:p>
             <a:fld id="{6FDE9D93-FEBD-457A-8EC4-BDCCD471E133}" type="datetimeFigureOut">
               <a:rPr lang="en-AU" smtClean="0"/>
-              <a:t>17/09/2018</a:t>
+              <a:t>25/09/2018</a:t>
             </a:fld>
             <a:endParaRPr lang="en-AU"/>
           </a:p>
@@ -1772,7 +1777,7 @@
     </p:spTree>
     <p:extLst>
       <p:ext uri="{BB962C8B-B14F-4D97-AF65-F5344CB8AC3E}">
-        <p14:creationId xmlns:p14="http://schemas.microsoft.com/office/powerpoint/2010/main" val="454298514"/>
+        <p14:creationId xmlns:p14="http://schemas.microsoft.com/office/powerpoint/2010/main" val="1834651958"/>
       </p:ext>
     </p:extLst>
   </p:cSld>
@@ -1816,7 +1821,7 @@
           <a:p>
             <a:fld id="{6FDE9D93-FEBD-457A-8EC4-BDCCD471E133}" type="datetimeFigureOut">
               <a:rPr lang="en-AU" smtClean="0"/>
-              <a:t>17/09/2018</a:t>
+              <a:t>25/09/2018</a:t>
             </a:fld>
             <a:endParaRPr lang="en-AU"/>
           </a:p>
@@ -1867,7 +1872,7 @@
     </p:spTree>
     <p:extLst>
       <p:ext uri="{BB962C8B-B14F-4D97-AF65-F5344CB8AC3E}">
-        <p14:creationId xmlns:p14="http://schemas.microsoft.com/office/powerpoint/2010/main" val="1826096107"/>
+        <p14:creationId xmlns:p14="http://schemas.microsoft.com/office/powerpoint/2010/main" val="3678905186"/>
       </p:ext>
     </p:extLst>
   </p:cSld>
@@ -1906,70 +1911,164 @@
         </p:nvSpPr>
         <p:spPr>
           <a:xfrm>
-            <a:off x="1041425" y="216006"/>
-            <a:ext cx="4876383" cy="756021"/>
+            <a:off x="793535" y="456036"/>
+            <a:ext cx="3715657" cy="1596126"/>
           </a:xfrm>
         </p:spPr>
         <p:txBody>
           <a:bodyPr anchor="b"/>
           <a:lstStyle>
             <a:lvl1pPr>
+              <a:defRPr sz="3024"/>
+            </a:lvl1pPr>
+          </a:lstStyle>
+          <a:p>
+            <a:r>
+              <a:rPr lang="en-US" smtClean="0"/>
+              <a:t>Click to edit Master title style</a:t>
+            </a:r>
+            <a:endParaRPr lang="en-US" dirty="0"/>
+          </a:p>
+        </p:txBody>
+      </p:sp>
+      <p:sp>
+        <p:nvSpPr>
+          <p:cNvPr id="3" name="Content Placeholder 2"/>
+          <p:cNvSpPr>
+            <a:spLocks noGrp="1"/>
+          </p:cNvSpPr>
+          <p:nvPr>
+            <p:ph idx="1"/>
+          </p:nvPr>
+        </p:nvSpPr>
+        <p:spPr>
+          <a:xfrm>
+            <a:off x="4897708" y="984911"/>
+            <a:ext cx="5832247" cy="4861216"/>
+          </a:xfrm>
+        </p:spPr>
+        <p:txBody>
+          <a:bodyPr/>
+          <a:lstStyle>
+            <a:lvl1pPr>
+              <a:defRPr sz="3024"/>
+            </a:lvl1pPr>
+            <a:lvl2pPr>
+              <a:defRPr sz="2646"/>
+            </a:lvl2pPr>
+            <a:lvl3pPr>
+              <a:defRPr sz="2268"/>
+            </a:lvl3pPr>
+            <a:lvl4pPr>
+              <a:defRPr sz="1890"/>
+            </a:lvl4pPr>
+            <a:lvl5pPr>
+              <a:defRPr sz="1890"/>
+            </a:lvl5pPr>
+            <a:lvl6pPr>
+              <a:defRPr sz="1890"/>
+            </a:lvl6pPr>
+            <a:lvl7pPr>
+              <a:defRPr sz="1890"/>
+            </a:lvl7pPr>
+            <a:lvl8pPr>
+              <a:defRPr sz="1890"/>
+            </a:lvl8pPr>
+            <a:lvl9pPr>
+              <a:defRPr sz="1890"/>
+            </a:lvl9pPr>
+          </a:lstStyle>
+          <a:p>
+            <a:pPr lvl="0"/>
+            <a:r>
+              <a:rPr lang="en-US" smtClean="0"/>
+              <a:t>Edit Master text styles</a:t>
+            </a:r>
+          </a:p>
+          <a:p>
+            <a:pPr lvl="1"/>
+            <a:r>
+              <a:rPr lang="en-US" smtClean="0"/>
+              <a:t>Second level</a:t>
+            </a:r>
+          </a:p>
+          <a:p>
+            <a:pPr lvl="2"/>
+            <a:r>
+              <a:rPr lang="en-US" smtClean="0"/>
+              <a:t>Third level</a:t>
+            </a:r>
+          </a:p>
+          <a:p>
+            <a:pPr lvl="3"/>
+            <a:r>
+              <a:rPr lang="en-US" smtClean="0"/>
+              <a:t>Fourth level</a:t>
+            </a:r>
+          </a:p>
+          <a:p>
+            <a:pPr lvl="4"/>
+            <a:r>
+              <a:rPr lang="en-US" smtClean="0"/>
+              <a:t>Fifth level</a:t>
+            </a:r>
+            <a:endParaRPr lang="en-US" dirty="0"/>
+          </a:p>
+        </p:txBody>
+      </p:sp>
+      <p:sp>
+        <p:nvSpPr>
+          <p:cNvPr id="4" name="Text Placeholder 3"/>
+          <p:cNvSpPr>
+            <a:spLocks noGrp="1"/>
+          </p:cNvSpPr>
+          <p:nvPr>
+            <p:ph type="body" sz="half" idx="2"/>
+          </p:nvPr>
+        </p:nvSpPr>
+        <p:spPr>
+          <a:xfrm>
+            <a:off x="793535" y="2052161"/>
+            <a:ext cx="3715657" cy="3801883"/>
+          </a:xfrm>
+        </p:spPr>
+        <p:txBody>
+          <a:bodyPr/>
+          <a:lstStyle>
+            <a:lvl1pPr marL="0" indent="0">
+              <a:buNone/>
               <a:defRPr sz="1512"/>
             </a:lvl1pPr>
-          </a:lstStyle>
-          <a:p>
-            <a:r>
-              <a:rPr lang="en-US" smtClean="0"/>
-              <a:t>Click to edit Master title style</a:t>
-            </a:r>
-            <a:endParaRPr lang="en-US" dirty="0"/>
-          </a:p>
-        </p:txBody>
-      </p:sp>
-      <p:sp>
-        <p:nvSpPr>
-          <p:cNvPr id="3" name="Content Placeholder 2"/>
-          <p:cNvSpPr>
-            <a:spLocks noGrp="1"/>
-          </p:cNvSpPr>
-          <p:nvPr>
-            <p:ph idx="1"/>
-          </p:nvPr>
-        </p:nvSpPr>
-        <p:spPr>
-          <a:xfrm>
-            <a:off x="6427693" y="466513"/>
-            <a:ext cx="7654171" cy="2302563"/>
-          </a:xfrm>
-        </p:spPr>
-        <p:txBody>
-          <a:bodyPr/>
-          <a:lstStyle>
-            <a:lvl1pPr>
-              <a:defRPr sz="1512"/>
-            </a:lvl1pPr>
-            <a:lvl2pPr>
+            <a:lvl2pPr marL="432008" indent="0">
+              <a:buNone/>
               <a:defRPr sz="1323"/>
             </a:lvl2pPr>
-            <a:lvl3pPr>
+            <a:lvl3pPr marL="864017" indent="0">
+              <a:buNone/>
               <a:defRPr sz="1134"/>
             </a:lvl3pPr>
-            <a:lvl4pPr>
+            <a:lvl4pPr marL="1296025" indent="0">
+              <a:buNone/>
               <a:defRPr sz="945"/>
             </a:lvl4pPr>
-            <a:lvl5pPr>
+            <a:lvl5pPr marL="1728033" indent="0">
+              <a:buNone/>
               <a:defRPr sz="945"/>
             </a:lvl5pPr>
-            <a:lvl6pPr>
+            <a:lvl6pPr marL="2160041" indent="0">
+              <a:buNone/>
               <a:defRPr sz="945"/>
             </a:lvl6pPr>
-            <a:lvl7pPr>
+            <a:lvl7pPr marL="2592050" indent="0">
+              <a:buNone/>
               <a:defRPr sz="945"/>
             </a:lvl7pPr>
-            <a:lvl8pPr>
+            <a:lvl8pPr marL="3024058" indent="0">
+              <a:buNone/>
               <a:defRPr sz="945"/>
             </a:lvl8pPr>
-            <a:lvl9pPr>
+            <a:lvl9pPr marL="3456066" indent="0">
+              <a:buNone/>
               <a:defRPr sz="945"/>
             </a:lvl9pPr>
           </a:lstStyle>
@@ -1980,100 +2079,6 @@
               <a:t>Edit Master text styles</a:t>
             </a:r>
           </a:p>
-          <a:p>
-            <a:pPr lvl="1"/>
-            <a:r>
-              <a:rPr lang="en-US" smtClean="0"/>
-              <a:t>Second level</a:t>
-            </a:r>
-          </a:p>
-          <a:p>
-            <a:pPr lvl="2"/>
-            <a:r>
-              <a:rPr lang="en-US" smtClean="0"/>
-              <a:t>Third level</a:t>
-            </a:r>
-          </a:p>
-          <a:p>
-            <a:pPr lvl="3"/>
-            <a:r>
-              <a:rPr lang="en-US" smtClean="0"/>
-              <a:t>Fourth level</a:t>
-            </a:r>
-          </a:p>
-          <a:p>
-            <a:pPr lvl="4"/>
-            <a:r>
-              <a:rPr lang="en-US" smtClean="0"/>
-              <a:t>Fifth level</a:t>
-            </a:r>
-            <a:endParaRPr lang="en-US" dirty="0"/>
-          </a:p>
-        </p:txBody>
-      </p:sp>
-      <p:sp>
-        <p:nvSpPr>
-          <p:cNvPr id="4" name="Text Placeholder 3"/>
-          <p:cNvSpPr>
-            <a:spLocks noGrp="1"/>
-          </p:cNvSpPr>
-          <p:nvPr>
-            <p:ph type="body" sz="half" idx="2"/>
-          </p:nvPr>
-        </p:nvSpPr>
-        <p:spPr>
-          <a:xfrm>
-            <a:off x="1041425" y="972026"/>
-            <a:ext cx="4876383" cy="1800799"/>
-          </a:xfrm>
-        </p:spPr>
-        <p:txBody>
-          <a:bodyPr/>
-          <a:lstStyle>
-            <a:lvl1pPr marL="0" indent="0">
-              <a:buNone/>
-              <a:defRPr sz="756"/>
-            </a:lvl1pPr>
-            <a:lvl2pPr marL="216027" indent="0">
-              <a:buNone/>
-              <a:defRPr sz="662"/>
-            </a:lvl2pPr>
-            <a:lvl3pPr marL="432054" indent="0">
-              <a:buNone/>
-              <a:defRPr sz="567"/>
-            </a:lvl3pPr>
-            <a:lvl4pPr marL="648081" indent="0">
-              <a:buNone/>
-              <a:defRPr sz="472"/>
-            </a:lvl4pPr>
-            <a:lvl5pPr marL="864108" indent="0">
-              <a:buNone/>
-              <a:defRPr sz="472"/>
-            </a:lvl5pPr>
-            <a:lvl6pPr marL="1080135" indent="0">
-              <a:buNone/>
-              <a:defRPr sz="472"/>
-            </a:lvl6pPr>
-            <a:lvl7pPr marL="1296162" indent="0">
-              <a:buNone/>
-              <a:defRPr sz="472"/>
-            </a:lvl7pPr>
-            <a:lvl8pPr marL="1512189" indent="0">
-              <a:buNone/>
-              <a:defRPr sz="472"/>
-            </a:lvl8pPr>
-            <a:lvl9pPr marL="1728216" indent="0">
-              <a:buNone/>
-              <a:defRPr sz="472"/>
-            </a:lvl9pPr>
-          </a:lstStyle>
-          <a:p>
-            <a:pPr lvl="0"/>
-            <a:r>
-              <a:rPr lang="en-US" smtClean="0"/>
-              <a:t>Edit Master text styles</a:t>
-            </a:r>
-          </a:p>
         </p:txBody>
       </p:sp>
       <p:sp>
@@ -2093,7 +2098,7 @@
           <a:p>
             <a:fld id="{6FDE9D93-FEBD-457A-8EC4-BDCCD471E133}" type="datetimeFigureOut">
               <a:rPr lang="en-AU" smtClean="0"/>
-              <a:t>17/09/2018</a:t>
+              <a:t>25/09/2018</a:t>
             </a:fld>
             <a:endParaRPr lang="en-AU"/>
           </a:p>
@@ -2144,7 +2149,7 @@
     </p:spTree>
     <p:extLst>
       <p:ext uri="{BB962C8B-B14F-4D97-AF65-F5344CB8AC3E}">
-        <p14:creationId xmlns:p14="http://schemas.microsoft.com/office/powerpoint/2010/main" val="3093528277"/>
+        <p14:creationId xmlns:p14="http://schemas.microsoft.com/office/powerpoint/2010/main" val="1917848866"/>
       </p:ext>
     </p:extLst>
   </p:cSld>
@@ -2183,15 +2188,15 @@
         </p:nvSpPr>
         <p:spPr>
           <a:xfrm>
-            <a:off x="1041425" y="216006"/>
-            <a:ext cx="4876383" cy="756021"/>
+            <a:off x="793535" y="456036"/>
+            <a:ext cx="3715657" cy="1596126"/>
           </a:xfrm>
         </p:spPr>
         <p:txBody>
           <a:bodyPr anchor="b"/>
           <a:lstStyle>
             <a:lvl1pPr>
-              <a:defRPr sz="1512"/>
+              <a:defRPr sz="3024"/>
             </a:lvl1pPr>
           </a:lstStyle>
           <a:p>
@@ -2215,8 +2220,8 @@
         </p:nvSpPr>
         <p:spPr>
           <a:xfrm>
-            <a:off x="6427693" y="466513"/>
-            <a:ext cx="7654171" cy="2302563"/>
+            <a:off x="4897708" y="984911"/>
+            <a:ext cx="5832247" cy="4861216"/>
           </a:xfrm>
         </p:spPr>
         <p:txBody>
@@ -2224,107 +2229,107 @@
           <a:lstStyle>
             <a:lvl1pPr marL="0" indent="0">
               <a:buNone/>
+              <a:defRPr sz="3024"/>
+            </a:lvl1pPr>
+            <a:lvl2pPr marL="432008" indent="0">
+              <a:buNone/>
+              <a:defRPr sz="2646"/>
+            </a:lvl2pPr>
+            <a:lvl3pPr marL="864017" indent="0">
+              <a:buNone/>
+              <a:defRPr sz="2268"/>
+            </a:lvl3pPr>
+            <a:lvl4pPr marL="1296025" indent="0">
+              <a:buNone/>
+              <a:defRPr sz="1890"/>
+            </a:lvl4pPr>
+            <a:lvl5pPr marL="1728033" indent="0">
+              <a:buNone/>
+              <a:defRPr sz="1890"/>
+            </a:lvl5pPr>
+            <a:lvl6pPr marL="2160041" indent="0">
+              <a:buNone/>
+              <a:defRPr sz="1890"/>
+            </a:lvl6pPr>
+            <a:lvl7pPr marL="2592050" indent="0">
+              <a:buNone/>
+              <a:defRPr sz="1890"/>
+            </a:lvl7pPr>
+            <a:lvl8pPr marL="3024058" indent="0">
+              <a:buNone/>
+              <a:defRPr sz="1890"/>
+            </a:lvl8pPr>
+            <a:lvl9pPr marL="3456066" indent="0">
+              <a:buNone/>
+              <a:defRPr sz="1890"/>
+            </a:lvl9pPr>
+          </a:lstStyle>
+          <a:p>
+            <a:r>
+              <a:rPr lang="en-US" smtClean="0"/>
+              <a:t>Click icon to add picture</a:t>
+            </a:r>
+            <a:endParaRPr lang="en-US" dirty="0"/>
+          </a:p>
+        </p:txBody>
+      </p:sp>
+      <p:sp>
+        <p:nvSpPr>
+          <p:cNvPr id="4" name="Text Placeholder 3"/>
+          <p:cNvSpPr>
+            <a:spLocks noGrp="1"/>
+          </p:cNvSpPr>
+          <p:nvPr>
+            <p:ph type="body" sz="half" idx="2"/>
+          </p:nvPr>
+        </p:nvSpPr>
+        <p:spPr>
+          <a:xfrm>
+            <a:off x="793535" y="2052161"/>
+            <a:ext cx="3715657" cy="3801883"/>
+          </a:xfrm>
+        </p:spPr>
+        <p:txBody>
+          <a:bodyPr/>
+          <a:lstStyle>
+            <a:lvl1pPr marL="0" indent="0">
+              <a:buNone/>
               <a:defRPr sz="1512"/>
             </a:lvl1pPr>
-            <a:lvl2pPr marL="216027" indent="0">
+            <a:lvl2pPr marL="432008" indent="0">
               <a:buNone/>
               <a:defRPr sz="1323"/>
             </a:lvl2pPr>
-            <a:lvl3pPr marL="432054" indent="0">
+            <a:lvl3pPr marL="864017" indent="0">
               <a:buNone/>
               <a:defRPr sz="1134"/>
             </a:lvl3pPr>
-            <a:lvl4pPr marL="648081" indent="0">
+            <a:lvl4pPr marL="1296025" indent="0">
               <a:buNone/>
               <a:defRPr sz="945"/>
             </a:lvl4pPr>
-            <a:lvl5pPr marL="864108" indent="0">
+            <a:lvl5pPr marL="1728033" indent="0">
               <a:buNone/>
               <a:defRPr sz="945"/>
             </a:lvl5pPr>
-            <a:lvl6pPr marL="1080135" indent="0">
+            <a:lvl6pPr marL="2160041" indent="0">
               <a:buNone/>
               <a:defRPr sz="945"/>
             </a:lvl6pPr>
-            <a:lvl7pPr marL="1296162" indent="0">
+            <a:lvl7pPr marL="2592050" indent="0">
               <a:buNone/>
               <a:defRPr sz="945"/>
             </a:lvl7pPr>
-            <a:lvl8pPr marL="1512189" indent="0">
+            <a:lvl8pPr marL="3024058" indent="0">
               <a:buNone/>
               <a:defRPr sz="945"/>
             </a:lvl8pPr>
-            <a:lvl9pPr marL="1728216" indent="0">
+            <a:lvl9pPr marL="3456066" indent="0">
               <a:buNone/>
               <a:defRPr sz="945"/>
             </a:lvl9pPr>
           </a:lstStyle>
           <a:p>
-            <a:r>
-              <a:rPr lang="en-US" smtClean="0"/>
-              <a:t>Click icon to add picture</a:t>
-            </a:r>
-            <a:endParaRPr lang="en-US" dirty="0"/>
-          </a:p>
-        </p:txBody>
-      </p:sp>
-      <p:sp>
-        <p:nvSpPr>
-          <p:cNvPr id="4" name="Text Placeholder 3"/>
-          <p:cNvSpPr>
-            <a:spLocks noGrp="1"/>
-          </p:cNvSpPr>
-          <p:nvPr>
-            <p:ph type="body" sz="half" idx="2"/>
-          </p:nvPr>
-        </p:nvSpPr>
-        <p:spPr>
-          <a:xfrm>
-            <a:off x="1041425" y="972026"/>
-            <a:ext cx="4876383" cy="1800799"/>
-          </a:xfrm>
-        </p:spPr>
-        <p:txBody>
-          <a:bodyPr/>
-          <a:lstStyle>
-            <a:lvl1pPr marL="0" indent="0">
-              <a:buNone/>
-              <a:defRPr sz="756"/>
-            </a:lvl1pPr>
-            <a:lvl2pPr marL="216027" indent="0">
-              <a:buNone/>
-              <a:defRPr sz="662"/>
-            </a:lvl2pPr>
-            <a:lvl3pPr marL="432054" indent="0">
-              <a:buNone/>
-              <a:defRPr sz="567"/>
-            </a:lvl3pPr>
-            <a:lvl4pPr marL="648081" indent="0">
-              <a:buNone/>
-              <a:defRPr sz="472"/>
-            </a:lvl4pPr>
-            <a:lvl5pPr marL="864108" indent="0">
-              <a:buNone/>
-              <a:defRPr sz="472"/>
-            </a:lvl5pPr>
-            <a:lvl6pPr marL="1080135" indent="0">
-              <a:buNone/>
-              <a:defRPr sz="472"/>
-            </a:lvl6pPr>
-            <a:lvl7pPr marL="1296162" indent="0">
-              <a:buNone/>
-              <a:defRPr sz="472"/>
-            </a:lvl7pPr>
-            <a:lvl8pPr marL="1512189" indent="0">
-              <a:buNone/>
-              <a:defRPr sz="472"/>
-            </a:lvl8pPr>
-            <a:lvl9pPr marL="1728216" indent="0">
-              <a:buNone/>
-              <a:defRPr sz="472"/>
-            </a:lvl9pPr>
-          </a:lstStyle>
-          <a:p>
             <a:pPr lvl="0"/>
             <a:r>
               <a:rPr lang="en-US" smtClean="0"/>
@@ -2350,7 +2355,7 @@
           <a:p>
             <a:fld id="{6FDE9D93-FEBD-457A-8EC4-BDCCD471E133}" type="datetimeFigureOut">
               <a:rPr lang="en-AU" smtClean="0"/>
-              <a:t>17/09/2018</a:t>
+              <a:t>25/09/2018</a:t>
             </a:fld>
             <a:endParaRPr lang="en-AU"/>
           </a:p>
@@ -2401,7 +2406,7 @@
     </p:spTree>
     <p:extLst>
       <p:ext uri="{BB962C8B-B14F-4D97-AF65-F5344CB8AC3E}">
-        <p14:creationId xmlns:p14="http://schemas.microsoft.com/office/powerpoint/2010/main" val="1095394036"/>
+        <p14:creationId xmlns:p14="http://schemas.microsoft.com/office/powerpoint/2010/main" val="834438431"/>
       </p:ext>
     </p:extLst>
   </p:cSld>
@@ -2445,8 +2450,8 @@
         </p:nvSpPr>
         <p:spPr>
           <a:xfrm>
-            <a:off x="1039456" y="172505"/>
-            <a:ext cx="13040439" cy="626267"/>
+            <a:off x="792034" y="364196"/>
+            <a:ext cx="9936421" cy="1322188"/>
           </a:xfrm>
           <a:prstGeom prst="rect">
             <a:avLst/>
@@ -2478,8 +2483,8 @@
         </p:nvSpPr>
         <p:spPr>
           <a:xfrm>
-            <a:off x="1039456" y="862523"/>
-            <a:ext cx="13040439" cy="2055806"/>
+            <a:off x="792034" y="1820976"/>
+            <a:ext cx="9936421" cy="4340259"/>
           </a:xfrm>
           <a:prstGeom prst="rect">
             <a:avLst/>
@@ -2540,8 +2545,8 @@
         </p:nvSpPr>
         <p:spPr>
           <a:xfrm>
-            <a:off x="1039455" y="3003082"/>
-            <a:ext cx="3401854" cy="172505"/>
+            <a:off x="792033" y="6340166"/>
+            <a:ext cx="2592110" cy="364195"/>
           </a:xfrm>
           <a:prstGeom prst="rect">
             <a:avLst/>
@@ -2551,7 +2556,7 @@
           <a:bodyPr vert="horz" lIns="91440" tIns="45720" rIns="91440" bIns="45720" rtlCol="0" anchor="ctr"/>
           <a:lstStyle>
             <a:lvl1pPr algn="l">
-              <a:defRPr sz="567">
+              <a:defRPr sz="1134">
                 <a:solidFill>
                   <a:schemeClr val="tx1">
                     <a:tint val="75000"/>
@@ -2563,7 +2568,7 @@
           <a:p>
             <a:fld id="{6FDE9D93-FEBD-457A-8EC4-BDCCD471E133}" type="datetimeFigureOut">
               <a:rPr lang="en-AU" smtClean="0"/>
-              <a:t>17/09/2018</a:t>
+              <a:t>25/09/2018</a:t>
             </a:fld>
             <a:endParaRPr lang="en-AU"/>
           </a:p>
@@ -2581,8 +2586,8 @@
         </p:nvSpPr>
         <p:spPr>
           <a:xfrm>
-            <a:off x="5008285" y="3003082"/>
-            <a:ext cx="5102781" cy="172505"/>
+            <a:off x="3816162" y="6340166"/>
+            <a:ext cx="3888165" cy="364195"/>
           </a:xfrm>
           <a:prstGeom prst="rect">
             <a:avLst/>
@@ -2592,7 +2597,7 @@
           <a:bodyPr vert="horz" lIns="91440" tIns="45720" rIns="91440" bIns="45720" rtlCol="0" anchor="ctr"/>
           <a:lstStyle>
             <a:lvl1pPr algn="ctr">
-              <a:defRPr sz="567">
+              <a:defRPr sz="1134">
                 <a:solidFill>
                   <a:schemeClr val="tx1">
                     <a:tint val="75000"/>
@@ -2618,8 +2623,8 @@
         </p:nvSpPr>
         <p:spPr>
           <a:xfrm>
-            <a:off x="10678041" y="3003082"/>
-            <a:ext cx="3401854" cy="172505"/>
+            <a:off x="8136345" y="6340166"/>
+            <a:ext cx="2592110" cy="364195"/>
           </a:xfrm>
           <a:prstGeom prst="rect">
             <a:avLst/>
@@ -2629,7 +2634,7 @@
           <a:bodyPr vert="horz" lIns="91440" tIns="45720" rIns="91440" bIns="45720" rtlCol="0" anchor="ctr"/>
           <a:lstStyle>
             <a:lvl1pPr algn="r">
-              <a:defRPr sz="567">
+              <a:defRPr sz="1134">
                 <a:solidFill>
                   <a:schemeClr val="tx1">
                     <a:tint val="75000"/>
@@ -2650,27 +2655,27 @@
     </p:spTree>
     <p:extLst>
       <p:ext uri="{BB962C8B-B14F-4D97-AF65-F5344CB8AC3E}">
-        <p14:creationId xmlns:p14="http://schemas.microsoft.com/office/powerpoint/2010/main" val="2231701345"/>
+        <p14:creationId xmlns:p14="http://schemas.microsoft.com/office/powerpoint/2010/main" val="3290700305"/>
       </p:ext>
     </p:extLst>
   </p:cSld>
   <p:clrMap bg1="lt1" tx1="dk1" bg2="lt2" tx2="dk2" accent1="accent1" accent2="accent2" accent3="accent3" accent4="accent4" accent5="accent5" accent6="accent6" hlink="hlink" folHlink="folHlink"/>
   <p:sldLayoutIdLst>
-    <p:sldLayoutId id="2147483697" r:id="rId1"/>
-    <p:sldLayoutId id="2147483698" r:id="rId2"/>
-    <p:sldLayoutId id="2147483699" r:id="rId3"/>
-    <p:sldLayoutId id="2147483700" r:id="rId4"/>
-    <p:sldLayoutId id="2147483701" r:id="rId5"/>
-    <p:sldLayoutId id="2147483702" r:id="rId6"/>
-    <p:sldLayoutId id="2147483703" r:id="rId7"/>
-    <p:sldLayoutId id="2147483704" r:id="rId8"/>
-    <p:sldLayoutId id="2147483705" r:id="rId9"/>
-    <p:sldLayoutId id="2147483706" r:id="rId10"/>
-    <p:sldLayoutId id="2147483707" r:id="rId11"/>
+    <p:sldLayoutId id="2147483757" r:id="rId1"/>
+    <p:sldLayoutId id="2147483758" r:id="rId2"/>
+    <p:sldLayoutId id="2147483759" r:id="rId3"/>
+    <p:sldLayoutId id="2147483760" r:id="rId4"/>
+    <p:sldLayoutId id="2147483761" r:id="rId5"/>
+    <p:sldLayoutId id="2147483762" r:id="rId6"/>
+    <p:sldLayoutId id="2147483763" r:id="rId7"/>
+    <p:sldLayoutId id="2147483764" r:id="rId8"/>
+    <p:sldLayoutId id="2147483765" r:id="rId9"/>
+    <p:sldLayoutId id="2147483766" r:id="rId10"/>
+    <p:sldLayoutId id="2147483767" r:id="rId11"/>
   </p:sldLayoutIdLst>
   <p:txStyles>
     <p:titleStyle>
-      <a:lvl1pPr algn="l" defTabSz="432054" rtl="0" eaLnBrk="1" latinLnBrk="0" hangingPunct="1">
+      <a:lvl1pPr algn="l" defTabSz="864017" rtl="0" eaLnBrk="1" latinLnBrk="0" hangingPunct="1">
         <a:lnSpc>
           <a:spcPct val="90000"/>
         </a:lnSpc>
@@ -2678,7 +2683,7 @@
           <a:spcPct val="0"/>
         </a:spcBef>
         <a:buNone/>
-        <a:defRPr sz="2079" kern="1200">
+        <a:defRPr sz="4158" kern="1200">
           <a:solidFill>
             <a:schemeClr val="tx1"/>
           </a:solidFill>
@@ -2689,7 +2694,25 @@
       </a:lvl1pPr>
     </p:titleStyle>
     <p:bodyStyle>
-      <a:lvl1pPr marL="108014" indent="-108014" algn="l" defTabSz="432054" rtl="0" eaLnBrk="1" latinLnBrk="0" hangingPunct="1">
+      <a:lvl1pPr marL="216004" indent="-216004" algn="l" defTabSz="864017" rtl="0" eaLnBrk="1" latinLnBrk="0" hangingPunct="1">
+        <a:lnSpc>
+          <a:spcPct val="90000"/>
+        </a:lnSpc>
+        <a:spcBef>
+          <a:spcPts val="945"/>
+        </a:spcBef>
+        <a:buFont typeface="Arial" panose="020B0604020202020204" pitchFamily="34" charset="0"/>
+        <a:buChar char="•"/>
+        <a:defRPr sz="2646" kern="1200">
+          <a:solidFill>
+            <a:schemeClr val="tx1"/>
+          </a:solidFill>
+          <a:latin typeface="+mn-lt"/>
+          <a:ea typeface="+mn-ea"/>
+          <a:cs typeface="+mn-cs"/>
+        </a:defRPr>
+      </a:lvl1pPr>
+      <a:lvl2pPr marL="648012" indent="-216004" algn="l" defTabSz="864017" rtl="0" eaLnBrk="1" latinLnBrk="0" hangingPunct="1">
         <a:lnSpc>
           <a:spcPct val="90000"/>
         </a:lnSpc>
@@ -2698,25 +2721,7 @@
         </a:spcBef>
         <a:buFont typeface="Arial" panose="020B0604020202020204" pitchFamily="34" charset="0"/>
         <a:buChar char="•"/>
-        <a:defRPr sz="1323" kern="1200">
-          <a:solidFill>
-            <a:schemeClr val="tx1"/>
-          </a:solidFill>
-          <a:latin typeface="+mn-lt"/>
-          <a:ea typeface="+mn-ea"/>
-          <a:cs typeface="+mn-cs"/>
-        </a:defRPr>
-      </a:lvl1pPr>
-      <a:lvl2pPr marL="324041" indent="-108014" algn="l" defTabSz="432054" rtl="0" eaLnBrk="1" latinLnBrk="0" hangingPunct="1">
-        <a:lnSpc>
-          <a:spcPct val="90000"/>
-        </a:lnSpc>
-        <a:spcBef>
-          <a:spcPts val="236"/>
-        </a:spcBef>
-        <a:buFont typeface="Arial" panose="020B0604020202020204" pitchFamily="34" charset="0"/>
-        <a:buChar char="•"/>
-        <a:defRPr sz="1134" kern="1200">
+        <a:defRPr sz="2268" kern="1200">
           <a:solidFill>
             <a:schemeClr val="tx1"/>
           </a:solidFill>
@@ -2725,16 +2730,16 @@
           <a:cs typeface="+mn-cs"/>
         </a:defRPr>
       </a:lvl2pPr>
-      <a:lvl3pPr marL="540068" indent="-108014" algn="l" defTabSz="432054" rtl="0" eaLnBrk="1" latinLnBrk="0" hangingPunct="1">
+      <a:lvl3pPr marL="1080021" indent="-216004" algn="l" defTabSz="864017" rtl="0" eaLnBrk="1" latinLnBrk="0" hangingPunct="1">
         <a:lnSpc>
           <a:spcPct val="90000"/>
         </a:lnSpc>
         <a:spcBef>
-          <a:spcPts val="236"/>
+          <a:spcPts val="472"/>
         </a:spcBef>
         <a:buFont typeface="Arial" panose="020B0604020202020204" pitchFamily="34" charset="0"/>
         <a:buChar char="•"/>
-        <a:defRPr sz="945" kern="1200">
+        <a:defRPr sz="1890" kern="1200">
           <a:solidFill>
             <a:schemeClr val="tx1"/>
           </a:solidFill>
@@ -2743,16 +2748,16 @@
           <a:cs typeface="+mn-cs"/>
         </a:defRPr>
       </a:lvl3pPr>
-      <a:lvl4pPr marL="756095" indent="-108014" algn="l" defTabSz="432054" rtl="0" eaLnBrk="1" latinLnBrk="0" hangingPunct="1">
+      <a:lvl4pPr marL="1512029" indent="-216004" algn="l" defTabSz="864017" rtl="0" eaLnBrk="1" latinLnBrk="0" hangingPunct="1">
         <a:lnSpc>
           <a:spcPct val="90000"/>
         </a:lnSpc>
         <a:spcBef>
-          <a:spcPts val="236"/>
+          <a:spcPts val="472"/>
         </a:spcBef>
         <a:buFont typeface="Arial" panose="020B0604020202020204" pitchFamily="34" charset="0"/>
         <a:buChar char="•"/>
-        <a:defRPr sz="851" kern="1200">
+        <a:defRPr sz="1701" kern="1200">
           <a:solidFill>
             <a:schemeClr val="tx1"/>
           </a:solidFill>
@@ -2761,16 +2766,16 @@
           <a:cs typeface="+mn-cs"/>
         </a:defRPr>
       </a:lvl4pPr>
-      <a:lvl5pPr marL="972122" indent="-108014" algn="l" defTabSz="432054" rtl="0" eaLnBrk="1" latinLnBrk="0" hangingPunct="1">
+      <a:lvl5pPr marL="1944037" indent="-216004" algn="l" defTabSz="864017" rtl="0" eaLnBrk="1" latinLnBrk="0" hangingPunct="1">
         <a:lnSpc>
           <a:spcPct val="90000"/>
         </a:lnSpc>
         <a:spcBef>
-          <a:spcPts val="236"/>
+          <a:spcPts val="472"/>
         </a:spcBef>
         <a:buFont typeface="Arial" panose="020B0604020202020204" pitchFamily="34" charset="0"/>
         <a:buChar char="•"/>
-        <a:defRPr sz="851" kern="1200">
+        <a:defRPr sz="1701" kern="1200">
           <a:solidFill>
             <a:schemeClr val="tx1"/>
           </a:solidFill>
@@ -2779,16 +2784,16 @@
           <a:cs typeface="+mn-cs"/>
         </a:defRPr>
       </a:lvl5pPr>
-      <a:lvl6pPr marL="1188149" indent="-108014" algn="l" defTabSz="432054" rtl="0" eaLnBrk="1" latinLnBrk="0" hangingPunct="1">
+      <a:lvl6pPr marL="2376046" indent="-216004" algn="l" defTabSz="864017" rtl="0" eaLnBrk="1" latinLnBrk="0" hangingPunct="1">
         <a:lnSpc>
           <a:spcPct val="90000"/>
         </a:lnSpc>
         <a:spcBef>
-          <a:spcPts val="236"/>
+          <a:spcPts val="472"/>
         </a:spcBef>
         <a:buFont typeface="Arial" panose="020B0604020202020204" pitchFamily="34" charset="0"/>
         <a:buChar char="•"/>
-        <a:defRPr sz="851" kern="1200">
+        <a:defRPr sz="1701" kern="1200">
           <a:solidFill>
             <a:schemeClr val="tx1"/>
           </a:solidFill>
@@ -2797,16 +2802,16 @@
           <a:cs typeface="+mn-cs"/>
         </a:defRPr>
       </a:lvl6pPr>
-      <a:lvl7pPr marL="1404176" indent="-108014" algn="l" defTabSz="432054" rtl="0" eaLnBrk="1" latinLnBrk="0" hangingPunct="1">
+      <a:lvl7pPr marL="2808054" indent="-216004" algn="l" defTabSz="864017" rtl="0" eaLnBrk="1" latinLnBrk="0" hangingPunct="1">
         <a:lnSpc>
           <a:spcPct val="90000"/>
         </a:lnSpc>
         <a:spcBef>
-          <a:spcPts val="236"/>
+          <a:spcPts val="472"/>
         </a:spcBef>
         <a:buFont typeface="Arial" panose="020B0604020202020204" pitchFamily="34" charset="0"/>
         <a:buChar char="•"/>
-        <a:defRPr sz="851" kern="1200">
+        <a:defRPr sz="1701" kern="1200">
           <a:solidFill>
             <a:schemeClr val="tx1"/>
           </a:solidFill>
@@ -2815,16 +2820,16 @@
           <a:cs typeface="+mn-cs"/>
         </a:defRPr>
       </a:lvl7pPr>
-      <a:lvl8pPr marL="1620203" indent="-108014" algn="l" defTabSz="432054" rtl="0" eaLnBrk="1" latinLnBrk="0" hangingPunct="1">
+      <a:lvl8pPr marL="3240062" indent="-216004" algn="l" defTabSz="864017" rtl="0" eaLnBrk="1" latinLnBrk="0" hangingPunct="1">
         <a:lnSpc>
           <a:spcPct val="90000"/>
         </a:lnSpc>
         <a:spcBef>
-          <a:spcPts val="236"/>
+          <a:spcPts val="472"/>
         </a:spcBef>
         <a:buFont typeface="Arial" panose="020B0604020202020204" pitchFamily="34" charset="0"/>
         <a:buChar char="•"/>
-        <a:defRPr sz="851" kern="1200">
+        <a:defRPr sz="1701" kern="1200">
           <a:solidFill>
             <a:schemeClr val="tx1"/>
           </a:solidFill>
@@ -2833,16 +2838,16 @@
           <a:cs typeface="+mn-cs"/>
         </a:defRPr>
       </a:lvl8pPr>
-      <a:lvl9pPr marL="1836230" indent="-108014" algn="l" defTabSz="432054" rtl="0" eaLnBrk="1" latinLnBrk="0" hangingPunct="1">
+      <a:lvl9pPr marL="3672070" indent="-216004" algn="l" defTabSz="864017" rtl="0" eaLnBrk="1" latinLnBrk="0" hangingPunct="1">
         <a:lnSpc>
           <a:spcPct val="90000"/>
         </a:lnSpc>
         <a:spcBef>
-          <a:spcPts val="236"/>
+          <a:spcPts val="472"/>
         </a:spcBef>
         <a:buFont typeface="Arial" panose="020B0604020202020204" pitchFamily="34" charset="0"/>
         <a:buChar char="•"/>
-        <a:defRPr sz="851" kern="1200">
+        <a:defRPr sz="1701" kern="1200">
           <a:solidFill>
             <a:schemeClr val="tx1"/>
           </a:solidFill>
@@ -2856,8 +2861,8 @@
       <a:defPPr>
         <a:defRPr lang="en-US"/>
       </a:defPPr>
-      <a:lvl1pPr marL="0" algn="l" defTabSz="432054" rtl="0" eaLnBrk="1" latinLnBrk="0" hangingPunct="1">
-        <a:defRPr sz="851" kern="1200">
+      <a:lvl1pPr marL="0" algn="l" defTabSz="864017" rtl="0" eaLnBrk="1" latinLnBrk="0" hangingPunct="1">
+        <a:defRPr sz="1701" kern="1200">
           <a:solidFill>
             <a:schemeClr val="tx1"/>
           </a:solidFill>
@@ -2866,8 +2871,8 @@
           <a:cs typeface="+mn-cs"/>
         </a:defRPr>
       </a:lvl1pPr>
-      <a:lvl2pPr marL="216027" algn="l" defTabSz="432054" rtl="0" eaLnBrk="1" latinLnBrk="0" hangingPunct="1">
-        <a:defRPr sz="851" kern="1200">
+      <a:lvl2pPr marL="432008" algn="l" defTabSz="864017" rtl="0" eaLnBrk="1" latinLnBrk="0" hangingPunct="1">
+        <a:defRPr sz="1701" kern="1200">
           <a:solidFill>
             <a:schemeClr val="tx1"/>
           </a:solidFill>
@@ -2876,8 +2881,8 @@
           <a:cs typeface="+mn-cs"/>
         </a:defRPr>
       </a:lvl2pPr>
-      <a:lvl3pPr marL="432054" algn="l" defTabSz="432054" rtl="0" eaLnBrk="1" latinLnBrk="0" hangingPunct="1">
-        <a:defRPr sz="851" kern="1200">
+      <a:lvl3pPr marL="864017" algn="l" defTabSz="864017" rtl="0" eaLnBrk="1" latinLnBrk="0" hangingPunct="1">
+        <a:defRPr sz="1701" kern="1200">
           <a:solidFill>
             <a:schemeClr val="tx1"/>
           </a:solidFill>
@@ -2886,8 +2891,8 @@
           <a:cs typeface="+mn-cs"/>
         </a:defRPr>
       </a:lvl3pPr>
-      <a:lvl4pPr marL="648081" algn="l" defTabSz="432054" rtl="0" eaLnBrk="1" latinLnBrk="0" hangingPunct="1">
-        <a:defRPr sz="851" kern="1200">
+      <a:lvl4pPr marL="1296025" algn="l" defTabSz="864017" rtl="0" eaLnBrk="1" latinLnBrk="0" hangingPunct="1">
+        <a:defRPr sz="1701" kern="1200">
           <a:solidFill>
             <a:schemeClr val="tx1"/>
           </a:solidFill>
@@ -2896,8 +2901,8 @@
           <a:cs typeface="+mn-cs"/>
         </a:defRPr>
       </a:lvl4pPr>
-      <a:lvl5pPr marL="864108" algn="l" defTabSz="432054" rtl="0" eaLnBrk="1" latinLnBrk="0" hangingPunct="1">
-        <a:defRPr sz="851" kern="1200">
+      <a:lvl5pPr marL="1728033" algn="l" defTabSz="864017" rtl="0" eaLnBrk="1" latinLnBrk="0" hangingPunct="1">
+        <a:defRPr sz="1701" kern="1200">
           <a:solidFill>
             <a:schemeClr val="tx1"/>
           </a:solidFill>
@@ -2906,8 +2911,8 @@
           <a:cs typeface="+mn-cs"/>
         </a:defRPr>
       </a:lvl5pPr>
-      <a:lvl6pPr marL="1080135" algn="l" defTabSz="432054" rtl="0" eaLnBrk="1" latinLnBrk="0" hangingPunct="1">
-        <a:defRPr sz="851" kern="1200">
+      <a:lvl6pPr marL="2160041" algn="l" defTabSz="864017" rtl="0" eaLnBrk="1" latinLnBrk="0" hangingPunct="1">
+        <a:defRPr sz="1701" kern="1200">
           <a:solidFill>
             <a:schemeClr val="tx1"/>
           </a:solidFill>
@@ -2916,8 +2921,8 @@
           <a:cs typeface="+mn-cs"/>
         </a:defRPr>
       </a:lvl6pPr>
-      <a:lvl7pPr marL="1296162" algn="l" defTabSz="432054" rtl="0" eaLnBrk="1" latinLnBrk="0" hangingPunct="1">
-        <a:defRPr sz="851" kern="1200">
+      <a:lvl7pPr marL="2592050" algn="l" defTabSz="864017" rtl="0" eaLnBrk="1" latinLnBrk="0" hangingPunct="1">
+        <a:defRPr sz="1701" kern="1200">
           <a:solidFill>
             <a:schemeClr val="tx1"/>
           </a:solidFill>
@@ -2926,8 +2931,8 @@
           <a:cs typeface="+mn-cs"/>
         </a:defRPr>
       </a:lvl7pPr>
-      <a:lvl8pPr marL="1512189" algn="l" defTabSz="432054" rtl="0" eaLnBrk="1" latinLnBrk="0" hangingPunct="1">
-        <a:defRPr sz="851" kern="1200">
+      <a:lvl8pPr marL="3024058" algn="l" defTabSz="864017" rtl="0" eaLnBrk="1" latinLnBrk="0" hangingPunct="1">
+        <a:defRPr sz="1701" kern="1200">
           <a:solidFill>
             <a:schemeClr val="tx1"/>
           </a:solidFill>
@@ -2936,8 +2941,8 @@
           <a:cs typeface="+mn-cs"/>
         </a:defRPr>
       </a:lvl8pPr>
-      <a:lvl9pPr marL="1728216" algn="l" defTabSz="432054" rtl="0" eaLnBrk="1" latinLnBrk="0" hangingPunct="1">
-        <a:defRPr sz="851" kern="1200">
+      <a:lvl9pPr marL="3456066" algn="l" defTabSz="864017" rtl="0" eaLnBrk="1" latinLnBrk="0" hangingPunct="1">
+        <a:defRPr sz="1701" kern="1200">
           <a:solidFill>
             <a:schemeClr val="tx1"/>
           </a:solidFill>
@@ -3001,7 +3006,7 @@
         </p:blipFill>
         <p:spPr>
           <a:xfrm>
-            <a:off x="11307058" y="149804"/>
+            <a:off x="7619694" y="3807393"/>
             <a:ext cx="3780549" cy="2961657"/>
           </a:xfrm>
           <a:prstGeom prst="rect">
@@ -3047,8 +3052,8 @@
         </p:blipFill>
         <p:spPr>
           <a:xfrm>
-            <a:off x="3840964" y="149814"/>
-            <a:ext cx="3825674" cy="2949147"/>
+            <a:off x="153594" y="3807092"/>
+            <a:ext cx="3839258" cy="2959619"/>
           </a:xfrm>
           <a:prstGeom prst="rect">
             <a:avLst/>
@@ -3093,7 +3098,7 @@
         </p:blipFill>
         <p:spPr>
           <a:xfrm>
-            <a:off x="7692912" y="149804"/>
+            <a:off x="4005548" y="3807393"/>
             <a:ext cx="3640615" cy="2961657"/>
           </a:xfrm>
           <a:prstGeom prst="rect">
@@ -3114,7 +3119,7 @@
         </p:nvSpPr>
         <p:spPr>
           <a:xfrm>
-            <a:off x="3840963" y="149805"/>
+            <a:off x="153594" y="3807389"/>
             <a:ext cx="1688756" cy="400110"/>
           </a:xfrm>
           <a:prstGeom prst="rect">
@@ -3147,7 +3152,7 @@
         </p:nvSpPr>
         <p:spPr>
           <a:xfrm>
-            <a:off x="7680221" y="149805"/>
+            <a:off x="3992852" y="3807389"/>
             <a:ext cx="1688756" cy="400110"/>
           </a:xfrm>
           <a:prstGeom prst="rect">
@@ -3180,7 +3185,7 @@
         </p:nvSpPr>
         <p:spPr>
           <a:xfrm>
-            <a:off x="11303185" y="149805"/>
+            <a:off x="7615816" y="3807389"/>
             <a:ext cx="1688756" cy="400110"/>
           </a:xfrm>
           <a:prstGeom prst="rect">
@@ -3205,78 +3210,165 @@
           </a:p>
         </p:txBody>
       </p:sp>
+      <p:pic>
+        <p:nvPicPr>
+          <p:cNvPr id="15" name="Picture 14"/>
+          <p:cNvPicPr>
+            <a:picLocks noChangeAspect="1"/>
+          </p:cNvPicPr>
+          <p:nvPr/>
+        </p:nvPicPr>
+        <p:blipFill rotWithShape="1">
+          <a:blip r:embed="rId8"/>
+          <a:srcRect l="3622" t="4760" r="40554" b="4936"/>
+          <a:stretch/>
+        </p:blipFill>
+        <p:spPr>
+          <a:xfrm rot="5400000">
+            <a:off x="3963554" y="-386413"/>
+            <a:ext cx="3616029" cy="4566139"/>
+          </a:xfrm>
+          <a:prstGeom prst="rect">
+            <a:avLst/>
+          </a:prstGeom>
+        </p:spPr>
+      </p:pic>
       <p:grpSp>
         <p:nvGrpSpPr>
-          <p:cNvPr id="27" name="Group 26"/>
+          <p:cNvPr id="26" name="Group 25"/>
           <p:cNvGrpSpPr/>
           <p:nvPr/>
         </p:nvGrpSpPr>
         <p:grpSpPr>
           <a:xfrm>
-            <a:off x="79060" y="149810"/>
-            <a:ext cx="3825675" cy="2949151"/>
-            <a:chOff x="527222" y="308328"/>
-            <a:chExt cx="3938886" cy="2744729"/>
+            <a:off x="8249094" y="1245844"/>
+            <a:ext cx="1512681" cy="1266441"/>
+            <a:chOff x="2795451" y="1837331"/>
+            <a:chExt cx="1557445" cy="1178657"/>
           </a:xfrm>
         </p:grpSpPr>
-        <p:pic>
-          <p:nvPicPr>
-            <p:cNvPr id="15" name="Picture 14"/>
-            <p:cNvPicPr>
-              <a:picLocks noChangeAspect="1"/>
-            </p:cNvPicPr>
+        <p:sp>
+          <p:nvSpPr>
+            <p:cNvPr id="25" name="Rounded Rectangle 24"/>
+            <p:cNvSpPr/>
             <p:nvPr/>
-          </p:nvPicPr>
-          <p:blipFill rotWithShape="1">
-            <a:blip r:embed="rId8"/>
-            <a:srcRect l="3622" t="4760" r="40554" b="4936"/>
-            <a:stretch/>
-          </p:blipFill>
+          </p:nvSpPr>
           <p:spPr>
-            <a:xfrm rot="5400000">
-              <a:off x="1064621" y="-229071"/>
-              <a:ext cx="2707659" cy="3782458"/>
+            <a:xfrm>
+              <a:off x="2795451" y="1837331"/>
+              <a:ext cx="1481016" cy="1178657"/>
             </a:xfrm>
-            <a:prstGeom prst="rect">
+            <a:prstGeom prst="roundRect">
               <a:avLst/>
             </a:prstGeom>
+            <a:solidFill>
+              <a:schemeClr val="bg1">
+                <a:alpha val="55000"/>
+              </a:schemeClr>
+            </a:solidFill>
+            <a:ln>
+              <a:noFill/>
+            </a:ln>
           </p:spPr>
-        </p:pic>
+          <p:style>
+            <a:lnRef idx="2">
+              <a:schemeClr val="accent1">
+                <a:shade val="50000"/>
+              </a:schemeClr>
+            </a:lnRef>
+            <a:fillRef idx="1">
+              <a:schemeClr val="accent1"/>
+            </a:fillRef>
+            <a:effectRef idx="0">
+              <a:schemeClr val="accent1"/>
+            </a:effectRef>
+            <a:fontRef idx="minor">
+              <a:schemeClr val="lt1"/>
+            </a:fontRef>
+          </p:style>
+          <p:txBody>
+            <a:bodyPr rot="0" spcFirstLastPara="0" vertOverflow="overflow" horzOverflow="overflow" vert="horz" wrap="square" lIns="91440" tIns="45720" rIns="91440" bIns="45720" numCol="1" spcCol="0" rtlCol="0" fromWordArt="0" anchor="ctr" anchorCtr="0" forceAA="0" compatLnSpc="1">
+              <a:prstTxWarp prst="textNoShape">
+                <a:avLst/>
+              </a:prstTxWarp>
+              <a:noAutofit/>
+            </a:bodyPr>
+            <a:lstStyle/>
+            <a:p>
+              <a:pPr algn="ctr"/>
+              <a:endParaRPr lang="en-AU"/>
+            </a:p>
+          </p:txBody>
+        </p:sp>
         <p:grpSp>
           <p:nvGrpSpPr>
-            <p:cNvPr id="26" name="Group 25"/>
+            <p:cNvPr id="24" name="Group 23"/>
             <p:cNvGrpSpPr/>
             <p:nvPr/>
           </p:nvGrpSpPr>
           <p:grpSpPr>
             <a:xfrm>
-              <a:off x="2908663" y="1874400"/>
-              <a:ext cx="1557445" cy="1178657"/>
-              <a:chOff x="2795451" y="1837331"/>
-              <a:chExt cx="1557445" cy="1178657"/>
+              <a:off x="2890546" y="1837331"/>
+              <a:ext cx="1462350" cy="1150923"/>
+              <a:chOff x="5210857" y="465888"/>
+              <a:chExt cx="1462350" cy="1150923"/>
             </a:xfrm>
           </p:grpSpPr>
           <p:sp>
             <p:nvSpPr>
-              <p:cNvPr id="25" name="Rounded Rectangle 24"/>
+              <p:cNvPr id="17" name="TextBox 16"/>
+              <p:cNvSpPr txBox="1"/>
+              <p:nvPr/>
+            </p:nvSpPr>
+            <p:spPr>
+              <a:xfrm>
+                <a:off x="5668190" y="465888"/>
+                <a:ext cx="1005017" cy="372376"/>
+              </a:xfrm>
+              <a:prstGeom prst="rect">
+                <a:avLst/>
+              </a:prstGeom>
+              <a:noFill/>
+            </p:spPr>
+            <p:txBody>
+              <a:bodyPr wrap="square" rtlCol="0">
+                <a:spAutoFit/>
+              </a:bodyPr>
+              <a:lstStyle/>
+              <a:p>
+                <a:r>
+                  <a:rPr lang="en-AU" sz="2000" dirty="0"/>
+                  <a:t>Layer 1</a:t>
+                </a:r>
+              </a:p>
+            </p:txBody>
+          </p:sp>
+          <p:sp>
+            <p:nvSpPr>
+              <p:cNvPr id="18" name="Rounded Rectangle 17"/>
               <p:cNvSpPr/>
               <p:nvPr/>
             </p:nvSpPr>
             <p:spPr>
               <a:xfrm>
-                <a:off x="2795451" y="1837331"/>
-                <a:ext cx="1481016" cy="1178657"/>
+                <a:off x="5210857" y="583938"/>
+                <a:ext cx="387178" cy="189471"/>
               </a:xfrm>
               <a:prstGeom prst="roundRect">
                 <a:avLst/>
               </a:prstGeom>
-              <a:solidFill>
-                <a:schemeClr val="bg1">
-                  <a:alpha val="55000"/>
-                </a:schemeClr>
-              </a:solidFill>
+              <a:pattFill prst="ltDnDiag">
+                <a:fgClr>
+                  <a:srgbClr val="FF0000"/>
+                </a:fgClr>
+                <a:bgClr>
+                  <a:schemeClr val="bg1"/>
+                </a:bgClr>
+              </a:pattFill>
               <a:ln>
-                <a:noFill/>
+                <a:solidFill>
+                  <a:srgbClr val="FF0000"/>
+                </a:solidFill>
               </a:ln>
             </p:spPr>
             <p:style>
@@ -3305,294 +3397,190 @@
               <a:lstStyle/>
               <a:p>
                 <a:pPr algn="ctr"/>
-                <a:endParaRPr lang="en-AU"/>
+                <a:endParaRPr lang="en-AU" sz="2000"/>
               </a:p>
             </p:txBody>
           </p:sp>
-          <p:grpSp>
-            <p:nvGrpSpPr>
-              <p:cNvPr id="24" name="Group 23"/>
-              <p:cNvGrpSpPr/>
+          <p:sp>
+            <p:nvSpPr>
+              <p:cNvPr id="19" name="Rounded Rectangle 18"/>
+              <p:cNvSpPr/>
               <p:nvPr/>
-            </p:nvGrpSpPr>
-            <p:grpSpPr>
+            </p:nvSpPr>
+            <p:spPr>
               <a:xfrm>
-                <a:off x="2890546" y="1837331"/>
-                <a:ext cx="1462350" cy="1150923"/>
-                <a:chOff x="5210857" y="465888"/>
-                <a:chExt cx="1462350" cy="1150923"/>
+                <a:off x="5210857" y="959152"/>
+                <a:ext cx="387178" cy="189471"/>
               </a:xfrm>
-            </p:grpSpPr>
-            <p:sp>
-              <p:nvSpPr>
-                <p:cNvPr id="17" name="TextBox 16"/>
-                <p:cNvSpPr txBox="1"/>
-                <p:nvPr/>
-              </p:nvSpPr>
-              <p:spPr>
-                <a:xfrm>
-                  <a:off x="5668190" y="465888"/>
-                  <a:ext cx="1005017" cy="372376"/>
-                </a:xfrm>
-                <a:prstGeom prst="rect">
+              <a:prstGeom prst="roundRect">
+                <a:avLst/>
+              </a:prstGeom>
+              <a:pattFill prst="ltDnDiag">
+                <a:fgClr>
+                  <a:schemeClr val="accent5">
+                    <a:lumMod val="75000"/>
+                  </a:schemeClr>
+                </a:fgClr>
+                <a:bgClr>
+                  <a:schemeClr val="bg1"/>
+                </a:bgClr>
+              </a:pattFill>
+              <a:ln>
+                <a:solidFill>
+                  <a:schemeClr val="accent5">
+                    <a:lumMod val="75000"/>
+                  </a:schemeClr>
+                </a:solidFill>
+              </a:ln>
+            </p:spPr>
+            <p:style>
+              <a:lnRef idx="2">
+                <a:schemeClr val="accent1">
+                  <a:shade val="50000"/>
+                </a:schemeClr>
+              </a:lnRef>
+              <a:fillRef idx="1">
+                <a:schemeClr val="accent1"/>
+              </a:fillRef>
+              <a:effectRef idx="0">
+                <a:schemeClr val="accent1"/>
+              </a:effectRef>
+              <a:fontRef idx="minor">
+                <a:schemeClr val="lt1"/>
+              </a:fontRef>
+            </p:style>
+            <p:txBody>
+              <a:bodyPr rot="0" spcFirstLastPara="0" vertOverflow="overflow" horzOverflow="overflow" vert="horz" wrap="square" lIns="91440" tIns="45720" rIns="91440" bIns="45720" numCol="1" spcCol="0" rtlCol="0" fromWordArt="0" anchor="ctr" anchorCtr="0" forceAA="0" compatLnSpc="1">
+                <a:prstTxWarp prst="textNoShape">
                   <a:avLst/>
-                </a:prstGeom>
-                <a:noFill/>
-              </p:spPr>
-              <p:txBody>
-                <a:bodyPr wrap="square" rtlCol="0">
-                  <a:spAutoFit/>
-                </a:bodyPr>
-                <a:lstStyle/>
-                <a:p>
-                  <a:r>
-                    <a:rPr lang="en-AU" sz="2000" dirty="0"/>
-                    <a:t>Layer 1</a:t>
-                  </a:r>
-                </a:p>
-              </p:txBody>
-            </p:sp>
-            <p:sp>
-              <p:nvSpPr>
-                <p:cNvPr id="18" name="Rounded Rectangle 17"/>
-                <p:cNvSpPr/>
-                <p:nvPr/>
-              </p:nvSpPr>
-              <p:spPr>
-                <a:xfrm>
-                  <a:off x="5210857" y="583938"/>
-                  <a:ext cx="387178" cy="189471"/>
-                </a:xfrm>
-                <a:prstGeom prst="roundRect">
+                </a:prstTxWarp>
+                <a:noAutofit/>
+              </a:bodyPr>
+              <a:lstStyle/>
+              <a:p>
+                <a:pPr algn="ctr"/>
+                <a:endParaRPr lang="en-AU" sz="2000"/>
+              </a:p>
+            </p:txBody>
+          </p:sp>
+          <p:sp>
+            <p:nvSpPr>
+              <p:cNvPr id="20" name="Rounded Rectangle 19"/>
+              <p:cNvSpPr/>
+              <p:nvPr/>
+            </p:nvSpPr>
+            <p:spPr>
+              <a:xfrm>
+                <a:off x="5210857" y="1334366"/>
+                <a:ext cx="387178" cy="189471"/>
+              </a:xfrm>
+              <a:prstGeom prst="roundRect">
+                <a:avLst/>
+              </a:prstGeom>
+              <a:pattFill prst="ltDnDiag">
+                <a:fgClr>
+                  <a:schemeClr val="accent4">
+                    <a:lumMod val="75000"/>
+                  </a:schemeClr>
+                </a:fgClr>
+                <a:bgClr>
+                  <a:schemeClr val="bg1"/>
+                </a:bgClr>
+              </a:pattFill>
+              <a:ln>
+                <a:solidFill>
+                  <a:schemeClr val="accent4">
+                    <a:lumMod val="75000"/>
+                  </a:schemeClr>
+                </a:solidFill>
+              </a:ln>
+            </p:spPr>
+            <p:style>
+              <a:lnRef idx="2">
+                <a:schemeClr val="accent1">
+                  <a:shade val="50000"/>
+                </a:schemeClr>
+              </a:lnRef>
+              <a:fillRef idx="1">
+                <a:schemeClr val="accent1"/>
+              </a:fillRef>
+              <a:effectRef idx="0">
+                <a:schemeClr val="accent1"/>
+              </a:effectRef>
+              <a:fontRef idx="minor">
+                <a:schemeClr val="lt1"/>
+              </a:fontRef>
+            </p:style>
+            <p:txBody>
+              <a:bodyPr rot="0" spcFirstLastPara="0" vertOverflow="overflow" horzOverflow="overflow" vert="horz" wrap="square" lIns="91440" tIns="45720" rIns="91440" bIns="45720" numCol="1" spcCol="0" rtlCol="0" fromWordArt="0" anchor="ctr" anchorCtr="0" forceAA="0" compatLnSpc="1">
+                <a:prstTxWarp prst="textNoShape">
                   <a:avLst/>
-                </a:prstGeom>
-                <a:pattFill prst="ltDnDiag">
-                  <a:fgClr>
-                    <a:srgbClr val="FF0000"/>
-                  </a:fgClr>
-                  <a:bgClr>
-                    <a:schemeClr val="bg1"/>
-                  </a:bgClr>
-                </a:pattFill>
-                <a:ln>
-                  <a:solidFill>
-                    <a:srgbClr val="FF0000"/>
-                  </a:solidFill>
-                </a:ln>
-              </p:spPr>
-              <p:style>
-                <a:lnRef idx="2">
-                  <a:schemeClr val="accent1">
-                    <a:shade val="50000"/>
-                  </a:schemeClr>
-                </a:lnRef>
-                <a:fillRef idx="1">
-                  <a:schemeClr val="accent1"/>
-                </a:fillRef>
-                <a:effectRef idx="0">
-                  <a:schemeClr val="accent1"/>
-                </a:effectRef>
-                <a:fontRef idx="minor">
-                  <a:schemeClr val="lt1"/>
-                </a:fontRef>
-              </p:style>
-              <p:txBody>
-                <a:bodyPr rot="0" spcFirstLastPara="0" vertOverflow="overflow" horzOverflow="overflow" vert="horz" wrap="square" lIns="91440" tIns="45720" rIns="91440" bIns="45720" numCol="1" spcCol="0" rtlCol="0" fromWordArt="0" anchor="ctr" anchorCtr="0" forceAA="0" compatLnSpc="1">
-                  <a:prstTxWarp prst="textNoShape">
-                    <a:avLst/>
-                  </a:prstTxWarp>
-                  <a:noAutofit/>
-                </a:bodyPr>
-                <a:lstStyle/>
-                <a:p>
-                  <a:pPr algn="ctr"/>
-                  <a:endParaRPr lang="en-AU" sz="2000"/>
-                </a:p>
-              </p:txBody>
-            </p:sp>
-            <p:sp>
-              <p:nvSpPr>
-                <p:cNvPr id="19" name="Rounded Rectangle 18"/>
-                <p:cNvSpPr/>
-                <p:nvPr/>
-              </p:nvSpPr>
-              <p:spPr>
-                <a:xfrm>
-                  <a:off x="5210857" y="959152"/>
-                  <a:ext cx="387178" cy="189471"/>
-                </a:xfrm>
-                <a:prstGeom prst="roundRect">
-                  <a:avLst/>
-                </a:prstGeom>
-                <a:pattFill prst="ltDnDiag">
-                  <a:fgClr>
-                    <a:schemeClr val="accent5">
-                      <a:lumMod val="75000"/>
-                    </a:schemeClr>
-                  </a:fgClr>
-                  <a:bgClr>
-                    <a:schemeClr val="bg1"/>
-                  </a:bgClr>
-                </a:pattFill>
-                <a:ln>
-                  <a:solidFill>
-                    <a:schemeClr val="accent5">
-                      <a:lumMod val="75000"/>
-                    </a:schemeClr>
-                  </a:solidFill>
-                </a:ln>
-              </p:spPr>
-              <p:style>
-                <a:lnRef idx="2">
-                  <a:schemeClr val="accent1">
-                    <a:shade val="50000"/>
-                  </a:schemeClr>
-                </a:lnRef>
-                <a:fillRef idx="1">
-                  <a:schemeClr val="accent1"/>
-                </a:fillRef>
-                <a:effectRef idx="0">
-                  <a:schemeClr val="accent1"/>
-                </a:effectRef>
-                <a:fontRef idx="minor">
-                  <a:schemeClr val="lt1"/>
-                </a:fontRef>
-              </p:style>
-              <p:txBody>
-                <a:bodyPr rot="0" spcFirstLastPara="0" vertOverflow="overflow" horzOverflow="overflow" vert="horz" wrap="square" lIns="91440" tIns="45720" rIns="91440" bIns="45720" numCol="1" spcCol="0" rtlCol="0" fromWordArt="0" anchor="ctr" anchorCtr="0" forceAA="0" compatLnSpc="1">
-                  <a:prstTxWarp prst="textNoShape">
-                    <a:avLst/>
-                  </a:prstTxWarp>
-                  <a:noAutofit/>
-                </a:bodyPr>
-                <a:lstStyle/>
-                <a:p>
-                  <a:pPr algn="ctr"/>
-                  <a:endParaRPr lang="en-AU" sz="2000"/>
-                </a:p>
-              </p:txBody>
-            </p:sp>
-            <p:sp>
-              <p:nvSpPr>
-                <p:cNvPr id="20" name="Rounded Rectangle 19"/>
-                <p:cNvSpPr/>
-                <p:nvPr/>
-              </p:nvSpPr>
-              <p:spPr>
-                <a:xfrm>
-                  <a:off x="5210857" y="1334366"/>
-                  <a:ext cx="387178" cy="189471"/>
-                </a:xfrm>
-                <a:prstGeom prst="roundRect">
-                  <a:avLst/>
-                </a:prstGeom>
-                <a:pattFill prst="ltDnDiag">
-                  <a:fgClr>
-                    <a:schemeClr val="accent4">
-                      <a:lumMod val="75000"/>
-                    </a:schemeClr>
-                  </a:fgClr>
-                  <a:bgClr>
-                    <a:schemeClr val="bg1"/>
-                  </a:bgClr>
-                </a:pattFill>
-                <a:ln>
-                  <a:solidFill>
-                    <a:schemeClr val="accent4">
-                      <a:lumMod val="75000"/>
-                    </a:schemeClr>
-                  </a:solidFill>
-                </a:ln>
-              </p:spPr>
-              <p:style>
-                <a:lnRef idx="2">
-                  <a:schemeClr val="accent1">
-                    <a:shade val="50000"/>
-                  </a:schemeClr>
-                </a:lnRef>
-                <a:fillRef idx="1">
-                  <a:schemeClr val="accent1"/>
-                </a:fillRef>
-                <a:effectRef idx="0">
-                  <a:schemeClr val="accent1"/>
-                </a:effectRef>
-                <a:fontRef idx="minor">
-                  <a:schemeClr val="lt1"/>
-                </a:fontRef>
-              </p:style>
-              <p:txBody>
-                <a:bodyPr rot="0" spcFirstLastPara="0" vertOverflow="overflow" horzOverflow="overflow" vert="horz" wrap="square" lIns="91440" tIns="45720" rIns="91440" bIns="45720" numCol="1" spcCol="0" rtlCol="0" fromWordArt="0" anchor="ctr" anchorCtr="0" forceAA="0" compatLnSpc="1">
-                  <a:prstTxWarp prst="textNoShape">
-                    <a:avLst/>
-                  </a:prstTxWarp>
-                  <a:noAutofit/>
-                </a:bodyPr>
-                <a:lstStyle/>
-                <a:p>
-                  <a:pPr algn="ctr"/>
-                  <a:endParaRPr lang="en-AU" sz="2000"/>
-                </a:p>
-              </p:txBody>
-            </p:sp>
-            <p:sp>
-              <p:nvSpPr>
-                <p:cNvPr id="22" name="Rectangle 21"/>
-                <p:cNvSpPr/>
-                <p:nvPr/>
-              </p:nvSpPr>
-              <p:spPr>
-                <a:xfrm>
-                  <a:off x="5668190" y="1244435"/>
-                  <a:ext cx="956067" cy="372376"/>
-                </a:xfrm>
-                <a:prstGeom prst="rect">
-                  <a:avLst/>
-                </a:prstGeom>
-              </p:spPr>
-              <p:txBody>
-                <a:bodyPr wrap="none">
-                  <a:spAutoFit/>
-                </a:bodyPr>
-                <a:lstStyle/>
-                <a:p>
-                  <a:r>
-                    <a:rPr lang="en-AU" sz="2000" dirty="0"/>
-                    <a:t>Layer 3</a:t>
-                  </a:r>
-                  <a:endParaRPr lang="en-AU" sz="2000" dirty="0"/>
-                </a:p>
-              </p:txBody>
-            </p:sp>
-            <p:sp>
-              <p:nvSpPr>
-                <p:cNvPr id="23" name="Rectangle 22"/>
-                <p:cNvSpPr/>
-                <p:nvPr/>
-              </p:nvSpPr>
-              <p:spPr>
-                <a:xfrm>
-                  <a:off x="5668190" y="860905"/>
-                  <a:ext cx="956067" cy="372376"/>
-                </a:xfrm>
-                <a:prstGeom prst="rect">
-                  <a:avLst/>
-                </a:prstGeom>
-              </p:spPr>
-              <p:txBody>
-                <a:bodyPr wrap="none">
-                  <a:spAutoFit/>
-                </a:bodyPr>
-                <a:lstStyle/>
-                <a:p>
-                  <a:r>
-                    <a:rPr lang="en-AU" sz="2000" dirty="0"/>
-                    <a:t>Layer 2</a:t>
-                  </a:r>
-                  <a:endParaRPr lang="en-AU" sz="2000" dirty="0"/>
-                </a:p>
-              </p:txBody>
-            </p:sp>
-          </p:grpSp>
+                </a:prstTxWarp>
+                <a:noAutofit/>
+              </a:bodyPr>
+              <a:lstStyle/>
+              <a:p>
+                <a:pPr algn="ctr"/>
+                <a:endParaRPr lang="en-AU" sz="2000"/>
+              </a:p>
+            </p:txBody>
+          </p:sp>
+          <p:sp>
+            <p:nvSpPr>
+              <p:cNvPr id="22" name="Rectangle 21"/>
+              <p:cNvSpPr/>
+              <p:nvPr/>
+            </p:nvSpPr>
+            <p:spPr>
+              <a:xfrm>
+                <a:off x="5668190" y="1244435"/>
+                <a:ext cx="956067" cy="372376"/>
+              </a:xfrm>
+              <a:prstGeom prst="rect">
+                <a:avLst/>
+              </a:prstGeom>
+            </p:spPr>
+            <p:txBody>
+              <a:bodyPr wrap="none">
+                <a:spAutoFit/>
+              </a:bodyPr>
+              <a:lstStyle/>
+              <a:p>
+                <a:r>
+                  <a:rPr lang="en-AU" sz="2000" dirty="0"/>
+                  <a:t>Layer 3</a:t>
+                </a:r>
+              </a:p>
+            </p:txBody>
+          </p:sp>
+          <p:sp>
+            <p:nvSpPr>
+              <p:cNvPr id="23" name="Rectangle 22"/>
+              <p:cNvSpPr/>
+              <p:nvPr/>
+            </p:nvSpPr>
+            <p:spPr>
+              <a:xfrm>
+                <a:off x="5668190" y="860905"/>
+                <a:ext cx="956067" cy="372376"/>
+              </a:xfrm>
+              <a:prstGeom prst="rect">
+                <a:avLst/>
+              </a:prstGeom>
+            </p:spPr>
+            <p:txBody>
+              <a:bodyPr wrap="none">
+                <a:spAutoFit/>
+              </a:bodyPr>
+              <a:lstStyle/>
+              <a:p>
+                <a:r>
+                  <a:rPr lang="en-AU" sz="2000" dirty="0"/>
+                  <a:t>Layer 2</a:t>
+                </a:r>
+              </a:p>
+            </p:txBody>
+          </p:sp>
         </p:grpSp>
       </p:grpSp>
       <p:cxnSp>
@@ -3603,7 +3591,7 @@
         </p:nvCxnSpPr>
         <p:spPr>
           <a:xfrm>
-            <a:off x="6991601" y="2944463"/>
+            <a:off x="3304237" y="6602052"/>
             <a:ext cx="375347" cy="5883"/>
           </a:xfrm>
           <a:prstGeom prst="line">
@@ -3638,8 +3626,8 @@
         </p:nvSpPr>
         <p:spPr>
           <a:xfrm>
-            <a:off x="6789146" y="2581014"/>
-            <a:ext cx="903767" cy="369332"/>
+            <a:off x="3101782" y="6238601"/>
+            <a:ext cx="903767" cy="333617"/>
           </a:xfrm>
           <a:prstGeom prst="rect">
             <a:avLst/>
@@ -3661,7 +3649,7 @@
               <a:t>1</a:t>
             </a:r>
             <a:r>
-              <a:rPr lang="en-AU" dirty="0" smtClean="0">
+              <a:rPr lang="en-AU" dirty="0">
                 <a:solidFill>
                   <a:schemeClr val="bg1"/>
                 </a:solidFill>
@@ -3684,8 +3672,8 @@
         </p:nvCxnSpPr>
         <p:spPr>
           <a:xfrm flipH="1" flipV="1">
-            <a:off x="312923" y="2939753"/>
-            <a:ext cx="472965" cy="9419"/>
+            <a:off x="3832780" y="3549992"/>
+            <a:ext cx="529476" cy="5850"/>
           </a:xfrm>
           <a:prstGeom prst="line">
             <a:avLst/>
@@ -3719,8 +3707,8 @@
         </p:nvSpPr>
         <p:spPr>
           <a:xfrm>
-            <a:off x="159725" y="2566103"/>
-            <a:ext cx="903767" cy="369332"/>
+            <a:off x="3679584" y="3176342"/>
+            <a:ext cx="903767" cy="333617"/>
           </a:xfrm>
           <a:prstGeom prst="rect">
             <a:avLst/>
@@ -3741,13 +3729,94 @@
               <a:t>1</a:t>
             </a:r>
             <a:r>
-              <a:rPr lang="en-AU" dirty="0" smtClean="0"/>
+              <a:rPr lang="en-AU" dirty="0"/>
               <a:t>00nm</a:t>
             </a:r>
             <a:endParaRPr lang="en-AU" dirty="0"/>
           </a:p>
         </p:txBody>
       </p:sp>
+      <p:pic>
+        <p:nvPicPr>
+          <p:cNvPr id="3" name="Picture 2"/>
+          <p:cNvPicPr>
+            <a:picLocks noChangeAspect="1"/>
+          </p:cNvPicPr>
+          <p:nvPr/>
+        </p:nvPicPr>
+        <p:blipFill>
+          <a:blip r:embed="rId9"/>
+          <a:stretch>
+            <a:fillRect/>
+          </a:stretch>
+        </p:blipFill>
+        <p:spPr>
+          <a:xfrm>
+            <a:off x="1331700" y="4677571"/>
+            <a:ext cx="866775" cy="352425"/>
+          </a:xfrm>
+          <a:prstGeom prst="rect">
+            <a:avLst/>
+          </a:prstGeom>
+          <a:effectLst>
+            <a:softEdge rad="31750"/>
+          </a:effectLst>
+        </p:spPr>
+      </p:pic>
+      <p:pic>
+        <p:nvPicPr>
+          <p:cNvPr id="28" name="Picture 27"/>
+          <p:cNvPicPr>
+            <a:picLocks noChangeAspect="1"/>
+          </p:cNvPicPr>
+          <p:nvPr/>
+        </p:nvPicPr>
+        <p:blipFill>
+          <a:blip r:embed="rId9"/>
+          <a:stretch>
+            <a:fillRect/>
+          </a:stretch>
+        </p:blipFill>
+        <p:spPr>
+          <a:xfrm>
+            <a:off x="877376" y="5374952"/>
+            <a:ext cx="712494" cy="289695"/>
+          </a:xfrm>
+          <a:prstGeom prst="rect">
+            <a:avLst/>
+          </a:prstGeom>
+          <a:effectLst>
+            <a:softEdge rad="31750"/>
+          </a:effectLst>
+        </p:spPr>
+      </p:pic>
+      <p:pic>
+        <p:nvPicPr>
+          <p:cNvPr id="31" name="Picture 30"/>
+          <p:cNvPicPr>
+            <a:picLocks noChangeAspect="1"/>
+          </p:cNvPicPr>
+          <p:nvPr/>
+        </p:nvPicPr>
+        <p:blipFill>
+          <a:blip r:embed="rId9"/>
+          <a:stretch>
+            <a:fillRect/>
+          </a:stretch>
+        </p:blipFill>
+        <p:spPr>
+          <a:xfrm>
+            <a:off x="2414796" y="5142053"/>
+            <a:ext cx="907825" cy="369115"/>
+          </a:xfrm>
+          <a:prstGeom prst="rect">
+            <a:avLst/>
+          </a:prstGeom>
+          <a:effectLst>
+            <a:softEdge rad="31750"/>
+          </a:effectLst>
+        </p:spPr>
+      </p:pic>
     </p:spTree>
     <p:extLst>
       <p:ext uri="{BB962C8B-B14F-4D97-AF65-F5344CB8AC3E}">
